--- a/courses/basic_ml/image/0_raw_image.pptx
+++ b/courses/basic_ml/image/0_raw_image.pptx
@@ -13,6 +13,10 @@
     <p:sldId id="258" r:id="rId7"/>
     <p:sldId id="264" r:id="rId8"/>
     <p:sldId id="265" r:id="rId9"/>
+    <p:sldId id="266" r:id="rId10"/>
+    <p:sldId id="267" r:id="rId11"/>
+    <p:sldId id="268" r:id="rId12"/>
+    <p:sldId id="269" r:id="rId13"/>
   </p:sldIdLst>
   <p:sldSz cx="12192000" cy="6858000"/>
   <p:notesSz cx="6858000" cy="9144000"/>
@@ -140,6 +144,14 @@
             <p14:sldId id="258"/>
             <p14:sldId id="264"/>
             <p14:sldId id="265"/>
+          </p14:sldIdLst>
+        </p14:section>
+        <p14:section name="decisiontree_iris" id="{F26350CE-065E-4B87-8E1E-1653E52BD09F}">
+          <p14:sldIdLst>
+            <p14:sldId id="266"/>
+            <p14:sldId id="267"/>
+            <p14:sldId id="268"/>
+            <p14:sldId id="269"/>
           </p14:sldIdLst>
         </p14:section>
       </p14:sectionLst>
@@ -298,7 +310,7 @@
           <a:p>
             <a:fld id="{DC00918D-4361-4CFD-83C0-A19C315B9995}" type="datetimeFigureOut">
               <a:rPr lang="en-US" smtClean="0"/>
-              <a:t>1/10/22</a:t>
+              <a:t>3/19/2022</a:t>
             </a:fld>
             <a:endParaRPr lang="en-US"/>
           </a:p>
@@ -496,7 +508,7 @@
           <a:p>
             <a:fld id="{DC00918D-4361-4CFD-83C0-A19C315B9995}" type="datetimeFigureOut">
               <a:rPr lang="en-US" smtClean="0"/>
-              <a:t>1/10/22</a:t>
+              <a:t>3/19/2022</a:t>
             </a:fld>
             <a:endParaRPr lang="en-US"/>
           </a:p>
@@ -704,7 +716,7 @@
           <a:p>
             <a:fld id="{DC00918D-4361-4CFD-83C0-A19C315B9995}" type="datetimeFigureOut">
               <a:rPr lang="en-US" smtClean="0"/>
-              <a:t>1/10/22</a:t>
+              <a:t>3/19/2022</a:t>
             </a:fld>
             <a:endParaRPr lang="en-US"/>
           </a:p>
@@ -902,7 +914,7 @@
           <a:p>
             <a:fld id="{DC00918D-4361-4CFD-83C0-A19C315B9995}" type="datetimeFigureOut">
               <a:rPr lang="en-US" smtClean="0"/>
-              <a:t>1/10/22</a:t>
+              <a:t>3/19/2022</a:t>
             </a:fld>
             <a:endParaRPr lang="en-US"/>
           </a:p>
@@ -1177,7 +1189,7 @@
           <a:p>
             <a:fld id="{DC00918D-4361-4CFD-83C0-A19C315B9995}" type="datetimeFigureOut">
               <a:rPr lang="en-US" smtClean="0"/>
-              <a:t>1/10/22</a:t>
+              <a:t>3/19/2022</a:t>
             </a:fld>
             <a:endParaRPr lang="en-US"/>
           </a:p>
@@ -1442,7 +1454,7 @@
           <a:p>
             <a:fld id="{DC00918D-4361-4CFD-83C0-A19C315B9995}" type="datetimeFigureOut">
               <a:rPr lang="en-US" smtClean="0"/>
-              <a:t>1/10/22</a:t>
+              <a:t>3/19/2022</a:t>
             </a:fld>
             <a:endParaRPr lang="en-US"/>
           </a:p>
@@ -1854,7 +1866,7 @@
           <a:p>
             <a:fld id="{DC00918D-4361-4CFD-83C0-A19C315B9995}" type="datetimeFigureOut">
               <a:rPr lang="en-US" smtClean="0"/>
-              <a:t>1/10/22</a:t>
+              <a:t>3/19/2022</a:t>
             </a:fld>
             <a:endParaRPr lang="en-US"/>
           </a:p>
@@ -1995,7 +2007,7 @@
           <a:p>
             <a:fld id="{DC00918D-4361-4CFD-83C0-A19C315B9995}" type="datetimeFigureOut">
               <a:rPr lang="en-US" smtClean="0"/>
-              <a:t>1/10/22</a:t>
+              <a:t>3/19/2022</a:t>
             </a:fld>
             <a:endParaRPr lang="en-US"/>
           </a:p>
@@ -2108,7 +2120,7 @@
           <a:p>
             <a:fld id="{DC00918D-4361-4CFD-83C0-A19C315B9995}" type="datetimeFigureOut">
               <a:rPr lang="en-US" smtClean="0"/>
-              <a:t>1/10/22</a:t>
+              <a:t>3/19/2022</a:t>
             </a:fld>
             <a:endParaRPr lang="en-US"/>
           </a:p>
@@ -2419,7 +2431,7 @@
           <a:p>
             <a:fld id="{DC00918D-4361-4CFD-83C0-A19C315B9995}" type="datetimeFigureOut">
               <a:rPr lang="en-US" smtClean="0"/>
-              <a:t>1/10/22</a:t>
+              <a:t>3/19/2022</a:t>
             </a:fld>
             <a:endParaRPr lang="en-US"/>
           </a:p>
@@ -2707,7 +2719,7 @@
           <a:p>
             <a:fld id="{DC00918D-4361-4CFD-83C0-A19C315B9995}" type="datetimeFigureOut">
               <a:rPr lang="en-US" smtClean="0"/>
-              <a:t>1/10/22</a:t>
+              <a:t>3/19/2022</a:t>
             </a:fld>
             <a:endParaRPr lang="en-US"/>
           </a:p>
@@ -2948,7 +2960,7 @@
           <a:p>
             <a:fld id="{DC00918D-4361-4CFD-83C0-A19C315B9995}" type="datetimeFigureOut">
               <a:rPr lang="en-US" smtClean="0"/>
-              <a:t>1/10/22</a:t>
+              <a:t>3/19/2022</a:t>
             </a:fld>
             <a:endParaRPr lang="en-US"/>
           </a:p>
@@ -5670,6 +5682,3675 @@
     <p:extLst>
       <p:ext uri="{BB962C8B-B14F-4D97-AF65-F5344CB8AC3E}">
         <p14:creationId xmlns:p14="http://schemas.microsoft.com/office/powerpoint/2010/main" val="3967623913"/>
+      </p:ext>
+    </p:extLst>
+  </p:cSld>
+  <p:clrMapOvr>
+    <a:masterClrMapping/>
+  </p:clrMapOvr>
+</p:sld>
+</file>
+
+<file path=ppt/slides/slide10.xml><?xml version="1.0" encoding="utf-8"?>
+<p:sld xmlns:a="http://schemas.openxmlformats.org/drawingml/2006/main" xmlns:r="http://schemas.openxmlformats.org/officeDocument/2006/relationships" xmlns:p="http://schemas.openxmlformats.org/presentationml/2006/main">
+  <p:cSld>
+    <p:spTree>
+      <p:nvGrpSpPr>
+        <p:cNvPr id="1" name=""/>
+        <p:cNvGrpSpPr/>
+        <p:nvPr/>
+      </p:nvGrpSpPr>
+      <p:grpSpPr>
+        <a:xfrm>
+          <a:off x="0" y="0"/>
+          <a:ext cx="0" cy="0"/>
+          <a:chOff x="0" y="0"/>
+          <a:chExt cx="0" cy="0"/>
+        </a:xfrm>
+      </p:grpSpPr>
+      <p:grpSp>
+        <p:nvGrpSpPr>
+          <p:cNvPr id="22" name="Group 21">
+            <a:extLst>
+              <a:ext uri="{FF2B5EF4-FFF2-40B4-BE49-F238E27FC236}">
+                <a16:creationId xmlns:a16="http://schemas.microsoft.com/office/drawing/2014/main" id="{D146C031-FDD7-4C33-B1F7-28368EC2FCCA}"/>
+              </a:ext>
+            </a:extLst>
+          </p:cNvPr>
+          <p:cNvGrpSpPr/>
+          <p:nvPr/>
+        </p:nvGrpSpPr>
+        <p:grpSpPr>
+          <a:xfrm>
+            <a:off x="354493" y="1552575"/>
+            <a:ext cx="3676650" cy="2638425"/>
+            <a:chOff x="257175" y="900113"/>
+            <a:chExt cx="3600449" cy="2271710"/>
+          </a:xfrm>
+        </p:grpSpPr>
+        <p:sp>
+          <p:nvSpPr>
+            <p:cNvPr id="2" name="Rectangle 1">
+              <a:extLst>
+                <a:ext uri="{FF2B5EF4-FFF2-40B4-BE49-F238E27FC236}">
+                  <a16:creationId xmlns:a16="http://schemas.microsoft.com/office/drawing/2014/main" id="{BA852978-165C-426C-8B9B-9EDA0F69E1F1}"/>
+                </a:ext>
+              </a:extLst>
+            </p:cNvPr>
+            <p:cNvSpPr/>
+            <p:nvPr/>
+          </p:nvSpPr>
+          <p:spPr>
+            <a:xfrm>
+              <a:off x="1323974" y="900113"/>
+              <a:ext cx="1409700" cy="733425"/>
+            </a:xfrm>
+            <a:prstGeom prst="rect">
+              <a:avLst/>
+            </a:prstGeom>
+            <a:solidFill>
+              <a:srgbClr val="006082"/>
+            </a:solidFill>
+          </p:spPr>
+          <p:style>
+            <a:lnRef idx="2">
+              <a:schemeClr val="accent1">
+                <a:shade val="50000"/>
+              </a:schemeClr>
+            </a:lnRef>
+            <a:fillRef idx="1">
+              <a:schemeClr val="accent1"/>
+            </a:fillRef>
+            <a:effectRef idx="0">
+              <a:schemeClr val="accent1"/>
+            </a:effectRef>
+            <a:fontRef idx="minor">
+              <a:schemeClr val="lt1"/>
+            </a:fontRef>
+          </p:style>
+          <p:txBody>
+            <a:bodyPr rtlCol="0" anchor="ctr"/>
+            <a:lstStyle/>
+            <a:p>
+              <a:pPr algn="ctr"/>
+              <a:r>
+                <a:rPr lang="en-US" dirty="0"/>
+                <a:t>Chest pain</a:t>
+              </a:r>
+            </a:p>
+            <a:p>
+              <a:pPr algn="ctr"/>
+              <a:r>
+                <a:rPr lang="en-US" sz="1600" i="1" dirty="0"/>
+                <a:t>(</a:t>
+              </a:r>
+              <a:r>
+                <a:rPr lang="en-US" sz="1600" i="1" dirty="0" err="1"/>
+                <a:t>gini</a:t>
+              </a:r>
+              <a:r>
+                <a:rPr lang="en-US" sz="1600" i="1" dirty="0"/>
+                <a:t>=0.45)</a:t>
+              </a:r>
+              <a:endParaRPr lang="en-US" i="1" dirty="0"/>
+            </a:p>
+          </p:txBody>
+        </p:sp>
+        <p:sp>
+          <p:nvSpPr>
+            <p:cNvPr id="3" name="Rectangle 2">
+              <a:extLst>
+                <a:ext uri="{FF2B5EF4-FFF2-40B4-BE49-F238E27FC236}">
+                  <a16:creationId xmlns:a16="http://schemas.microsoft.com/office/drawing/2014/main" id="{C6BAF905-0002-4E72-B1E9-37FC658EDFAD}"/>
+                </a:ext>
+              </a:extLst>
+            </p:cNvPr>
+            <p:cNvSpPr/>
+            <p:nvPr/>
+          </p:nvSpPr>
+          <p:spPr>
+            <a:xfrm>
+              <a:off x="257175" y="2371725"/>
+              <a:ext cx="1685924" cy="800098"/>
+            </a:xfrm>
+            <a:prstGeom prst="rect">
+              <a:avLst/>
+            </a:prstGeom>
+            <a:solidFill>
+              <a:srgbClr val="006082"/>
+            </a:solidFill>
+          </p:spPr>
+          <p:style>
+            <a:lnRef idx="2">
+              <a:schemeClr val="accent1">
+                <a:shade val="50000"/>
+              </a:schemeClr>
+            </a:lnRef>
+            <a:fillRef idx="1">
+              <a:schemeClr val="accent1"/>
+            </a:fillRef>
+            <a:effectRef idx="0">
+              <a:schemeClr val="accent1"/>
+            </a:effectRef>
+            <a:fontRef idx="minor">
+              <a:schemeClr val="lt1"/>
+            </a:fontRef>
+          </p:style>
+          <p:txBody>
+            <a:bodyPr rtlCol="0" anchor="ctr"/>
+            <a:lstStyle/>
+            <a:p>
+              <a:pPr algn="ctr"/>
+              <a:r>
+                <a:rPr lang="en-US" dirty="0"/>
+                <a:t>Heart disease</a:t>
+              </a:r>
+            </a:p>
+            <a:p>
+              <a:pPr algn="ctr"/>
+              <a:r>
+                <a:rPr lang="en-US" dirty="0"/>
+                <a:t>Yes = 3</a:t>
+              </a:r>
+            </a:p>
+            <a:p>
+              <a:pPr algn="ctr"/>
+              <a:r>
+                <a:rPr lang="en-US" dirty="0"/>
+                <a:t>No = 3</a:t>
+              </a:r>
+            </a:p>
+          </p:txBody>
+        </p:sp>
+        <p:cxnSp>
+          <p:nvCxnSpPr>
+            <p:cNvPr id="6" name="Straight Arrow Connector 5">
+              <a:extLst>
+                <a:ext uri="{FF2B5EF4-FFF2-40B4-BE49-F238E27FC236}">
+                  <a16:creationId xmlns:a16="http://schemas.microsoft.com/office/drawing/2014/main" id="{440C7668-0995-43B2-97D3-617A8776F2BF}"/>
+                </a:ext>
+              </a:extLst>
+            </p:cNvPr>
+            <p:cNvCxnSpPr>
+              <a:cxnSpLocks/>
+              <a:stCxn id="2" idx="2"/>
+              <a:endCxn id="3" idx="0"/>
+            </p:cNvCxnSpPr>
+            <p:nvPr/>
+          </p:nvCxnSpPr>
+          <p:spPr>
+            <a:xfrm flipH="1">
+              <a:off x="1100137" y="1633538"/>
+              <a:ext cx="928687" cy="738187"/>
+            </a:xfrm>
+            <a:prstGeom prst="straightConnector1">
+              <a:avLst/>
+            </a:prstGeom>
+            <a:ln w="19050">
+              <a:solidFill>
+                <a:srgbClr val="1C4357"/>
+              </a:solidFill>
+              <a:tailEnd type="triangle"/>
+            </a:ln>
+          </p:spPr>
+          <p:style>
+            <a:lnRef idx="1">
+              <a:schemeClr val="accent1"/>
+            </a:lnRef>
+            <a:fillRef idx="0">
+              <a:schemeClr val="accent1"/>
+            </a:fillRef>
+            <a:effectRef idx="0">
+              <a:schemeClr val="accent1"/>
+            </a:effectRef>
+            <a:fontRef idx="minor">
+              <a:schemeClr val="tx1"/>
+            </a:fontRef>
+          </p:style>
+        </p:cxnSp>
+        <p:cxnSp>
+          <p:nvCxnSpPr>
+            <p:cNvPr id="7" name="Straight Arrow Connector 6">
+              <a:extLst>
+                <a:ext uri="{FF2B5EF4-FFF2-40B4-BE49-F238E27FC236}">
+                  <a16:creationId xmlns:a16="http://schemas.microsoft.com/office/drawing/2014/main" id="{8337C1F2-905D-45AA-A207-5CE405AEBBF0}"/>
+                </a:ext>
+              </a:extLst>
+            </p:cNvPr>
+            <p:cNvCxnSpPr>
+              <a:cxnSpLocks/>
+              <a:stCxn id="2" idx="2"/>
+              <a:endCxn id="11" idx="0"/>
+            </p:cNvCxnSpPr>
+            <p:nvPr/>
+          </p:nvCxnSpPr>
+          <p:spPr>
+            <a:xfrm>
+              <a:off x="2028824" y="1633538"/>
+              <a:ext cx="985838" cy="738186"/>
+            </a:xfrm>
+            <a:prstGeom prst="straightConnector1">
+              <a:avLst/>
+            </a:prstGeom>
+            <a:ln w="19050">
+              <a:solidFill>
+                <a:srgbClr val="1C4357"/>
+              </a:solidFill>
+              <a:tailEnd type="triangle"/>
+            </a:ln>
+          </p:spPr>
+          <p:style>
+            <a:lnRef idx="1">
+              <a:schemeClr val="accent1"/>
+            </a:lnRef>
+            <a:fillRef idx="0">
+              <a:schemeClr val="accent1"/>
+            </a:fillRef>
+            <a:effectRef idx="0">
+              <a:schemeClr val="accent1"/>
+            </a:effectRef>
+            <a:fontRef idx="minor">
+              <a:schemeClr val="tx1"/>
+            </a:fontRef>
+          </p:style>
+        </p:cxnSp>
+        <p:sp>
+          <p:nvSpPr>
+            <p:cNvPr id="11" name="Rectangle 10">
+              <a:extLst>
+                <a:ext uri="{FF2B5EF4-FFF2-40B4-BE49-F238E27FC236}">
+                  <a16:creationId xmlns:a16="http://schemas.microsoft.com/office/drawing/2014/main" id="{0B98DA9C-5FEF-4659-8ECE-D50625B01357}"/>
+                </a:ext>
+              </a:extLst>
+            </p:cNvPr>
+            <p:cNvSpPr/>
+            <p:nvPr/>
+          </p:nvSpPr>
+          <p:spPr>
+            <a:xfrm>
+              <a:off x="2171699" y="2371724"/>
+              <a:ext cx="1685925" cy="800099"/>
+            </a:xfrm>
+            <a:prstGeom prst="rect">
+              <a:avLst/>
+            </a:prstGeom>
+            <a:solidFill>
+              <a:srgbClr val="006082"/>
+            </a:solidFill>
+          </p:spPr>
+          <p:style>
+            <a:lnRef idx="2">
+              <a:schemeClr val="accent1">
+                <a:shade val="50000"/>
+              </a:schemeClr>
+            </a:lnRef>
+            <a:fillRef idx="1">
+              <a:schemeClr val="accent1"/>
+            </a:fillRef>
+            <a:effectRef idx="0">
+              <a:schemeClr val="accent1"/>
+            </a:effectRef>
+            <a:fontRef idx="minor">
+              <a:schemeClr val="lt1"/>
+            </a:fontRef>
+          </p:style>
+          <p:txBody>
+            <a:bodyPr rtlCol="0" anchor="ctr"/>
+            <a:lstStyle/>
+            <a:p>
+              <a:pPr algn="ctr"/>
+              <a:r>
+                <a:rPr lang="en-US" dirty="0"/>
+                <a:t>Heart disease</a:t>
+              </a:r>
+            </a:p>
+            <a:p>
+              <a:pPr algn="ctr"/>
+              <a:r>
+                <a:rPr lang="en-US" dirty="0"/>
+                <a:t>Yes = 5</a:t>
+              </a:r>
+            </a:p>
+            <a:p>
+              <a:pPr algn="ctr"/>
+              <a:r>
+                <a:rPr lang="en-US" dirty="0"/>
+                <a:t>No = 2</a:t>
+              </a:r>
+            </a:p>
+          </p:txBody>
+        </p:sp>
+        <p:sp>
+          <p:nvSpPr>
+            <p:cNvPr id="20" name="TextBox 19">
+              <a:extLst>
+                <a:ext uri="{FF2B5EF4-FFF2-40B4-BE49-F238E27FC236}">
+                  <a16:creationId xmlns:a16="http://schemas.microsoft.com/office/drawing/2014/main" id="{E1AD0F57-39BF-4B32-81E0-E226AEE6D6A4}"/>
+                </a:ext>
+              </a:extLst>
+            </p:cNvPr>
+            <p:cNvSpPr txBox="1"/>
+            <p:nvPr/>
+          </p:nvSpPr>
+          <p:spPr>
+            <a:xfrm>
+              <a:off x="2666999" y="1790700"/>
+              <a:ext cx="581024" cy="369332"/>
+            </a:xfrm>
+            <a:prstGeom prst="rect">
+              <a:avLst/>
+            </a:prstGeom>
+            <a:noFill/>
+          </p:spPr>
+          <p:txBody>
+            <a:bodyPr wrap="square" rtlCol="0">
+              <a:spAutoFit/>
+            </a:bodyPr>
+            <a:lstStyle/>
+            <a:p>
+              <a:r>
+                <a:rPr lang="en-US" dirty="0"/>
+                <a:t>yes</a:t>
+              </a:r>
+            </a:p>
+          </p:txBody>
+        </p:sp>
+        <p:sp>
+          <p:nvSpPr>
+            <p:cNvPr id="21" name="TextBox 20">
+              <a:extLst>
+                <a:ext uri="{FF2B5EF4-FFF2-40B4-BE49-F238E27FC236}">
+                  <a16:creationId xmlns:a16="http://schemas.microsoft.com/office/drawing/2014/main" id="{2A3F601E-65F1-4201-AE3F-77C6DEE2A6B9}"/>
+                </a:ext>
+              </a:extLst>
+            </p:cNvPr>
+            <p:cNvSpPr txBox="1"/>
+            <p:nvPr/>
+          </p:nvSpPr>
+          <p:spPr>
+            <a:xfrm>
+              <a:off x="957262" y="1790700"/>
+              <a:ext cx="581024" cy="369332"/>
+            </a:xfrm>
+            <a:prstGeom prst="rect">
+              <a:avLst/>
+            </a:prstGeom>
+            <a:noFill/>
+          </p:spPr>
+          <p:txBody>
+            <a:bodyPr wrap="square" rtlCol="0">
+              <a:spAutoFit/>
+            </a:bodyPr>
+            <a:lstStyle/>
+            <a:p>
+              <a:r>
+                <a:rPr lang="en-US" dirty="0"/>
+                <a:t>no</a:t>
+              </a:r>
+            </a:p>
+          </p:txBody>
+        </p:sp>
+      </p:grpSp>
+      <p:grpSp>
+        <p:nvGrpSpPr>
+          <p:cNvPr id="31" name="Group 30">
+            <a:extLst>
+              <a:ext uri="{FF2B5EF4-FFF2-40B4-BE49-F238E27FC236}">
+                <a16:creationId xmlns:a16="http://schemas.microsoft.com/office/drawing/2014/main" id="{480EBAB3-D78F-4DB2-AD00-44983EF25374}"/>
+              </a:ext>
+            </a:extLst>
+          </p:cNvPr>
+          <p:cNvGrpSpPr/>
+          <p:nvPr/>
+        </p:nvGrpSpPr>
+        <p:grpSpPr>
+          <a:xfrm>
+            <a:off x="4342002" y="1552575"/>
+            <a:ext cx="3676650" cy="2638425"/>
+            <a:chOff x="257175" y="900113"/>
+            <a:chExt cx="3600449" cy="2271710"/>
+          </a:xfrm>
+        </p:grpSpPr>
+        <p:sp>
+          <p:nvSpPr>
+            <p:cNvPr id="32" name="Rectangle 31">
+              <a:extLst>
+                <a:ext uri="{FF2B5EF4-FFF2-40B4-BE49-F238E27FC236}">
+                  <a16:creationId xmlns:a16="http://schemas.microsoft.com/office/drawing/2014/main" id="{7AE6697E-7D60-4E3E-A6A6-D1E596419A3D}"/>
+                </a:ext>
+              </a:extLst>
+            </p:cNvPr>
+            <p:cNvSpPr/>
+            <p:nvPr/>
+          </p:nvSpPr>
+          <p:spPr>
+            <a:xfrm>
+              <a:off x="1323974" y="900113"/>
+              <a:ext cx="1409700" cy="733425"/>
+            </a:xfrm>
+            <a:prstGeom prst="rect">
+              <a:avLst/>
+            </a:prstGeom>
+            <a:solidFill>
+              <a:srgbClr val="006082"/>
+            </a:solidFill>
+          </p:spPr>
+          <p:style>
+            <a:lnRef idx="2">
+              <a:schemeClr val="accent1">
+                <a:shade val="50000"/>
+              </a:schemeClr>
+            </a:lnRef>
+            <a:fillRef idx="1">
+              <a:schemeClr val="accent1"/>
+            </a:fillRef>
+            <a:effectRef idx="0">
+              <a:schemeClr val="accent1"/>
+            </a:effectRef>
+            <a:fontRef idx="minor">
+              <a:schemeClr val="lt1"/>
+            </a:fontRef>
+          </p:style>
+          <p:txBody>
+            <a:bodyPr rtlCol="0" anchor="ctr"/>
+            <a:lstStyle/>
+            <a:p>
+              <a:pPr algn="ctr"/>
+              <a:r>
+                <a:rPr lang="en-US" dirty="0"/>
+                <a:t>Good blood circulation</a:t>
+              </a:r>
+            </a:p>
+            <a:p>
+              <a:pPr algn="ctr"/>
+              <a:r>
+                <a:rPr lang="en-US" sz="1600" i="1" dirty="0"/>
+                <a:t>(</a:t>
+              </a:r>
+              <a:r>
+                <a:rPr lang="en-US" sz="1600" i="1" dirty="0" err="1"/>
+                <a:t>gini</a:t>
+              </a:r>
+              <a:r>
+                <a:rPr lang="en-US" sz="1600" i="1" dirty="0"/>
+                <a:t>=0.34)</a:t>
+              </a:r>
+              <a:endParaRPr lang="en-US" i="1" dirty="0"/>
+            </a:p>
+          </p:txBody>
+        </p:sp>
+        <p:sp>
+          <p:nvSpPr>
+            <p:cNvPr id="33" name="Rectangle 32">
+              <a:extLst>
+                <a:ext uri="{FF2B5EF4-FFF2-40B4-BE49-F238E27FC236}">
+                  <a16:creationId xmlns:a16="http://schemas.microsoft.com/office/drawing/2014/main" id="{E40670A4-577D-4B1F-AC6C-450772D68BFC}"/>
+                </a:ext>
+              </a:extLst>
+            </p:cNvPr>
+            <p:cNvSpPr/>
+            <p:nvPr/>
+          </p:nvSpPr>
+          <p:spPr>
+            <a:xfrm>
+              <a:off x="257175" y="2371725"/>
+              <a:ext cx="1685924" cy="800098"/>
+            </a:xfrm>
+            <a:prstGeom prst="rect">
+              <a:avLst/>
+            </a:prstGeom>
+            <a:solidFill>
+              <a:srgbClr val="006082"/>
+            </a:solidFill>
+          </p:spPr>
+          <p:style>
+            <a:lnRef idx="2">
+              <a:schemeClr val="accent1">
+                <a:shade val="50000"/>
+              </a:schemeClr>
+            </a:lnRef>
+            <a:fillRef idx="1">
+              <a:schemeClr val="accent1"/>
+            </a:fillRef>
+            <a:effectRef idx="0">
+              <a:schemeClr val="accent1"/>
+            </a:effectRef>
+            <a:fontRef idx="minor">
+              <a:schemeClr val="lt1"/>
+            </a:fontRef>
+          </p:style>
+          <p:txBody>
+            <a:bodyPr rtlCol="0" anchor="ctr"/>
+            <a:lstStyle/>
+            <a:p>
+              <a:pPr algn="ctr"/>
+              <a:r>
+                <a:rPr lang="en-US" dirty="0"/>
+                <a:t>Heart disease</a:t>
+              </a:r>
+            </a:p>
+            <a:p>
+              <a:pPr algn="ctr"/>
+              <a:r>
+                <a:rPr lang="en-US" dirty="0"/>
+                <a:t>Yes = 6</a:t>
+              </a:r>
+            </a:p>
+            <a:p>
+              <a:pPr algn="ctr"/>
+              <a:r>
+                <a:rPr lang="en-US" dirty="0"/>
+                <a:t>No = 1</a:t>
+              </a:r>
+            </a:p>
+          </p:txBody>
+        </p:sp>
+        <p:cxnSp>
+          <p:nvCxnSpPr>
+            <p:cNvPr id="34" name="Straight Arrow Connector 33">
+              <a:extLst>
+                <a:ext uri="{FF2B5EF4-FFF2-40B4-BE49-F238E27FC236}">
+                  <a16:creationId xmlns:a16="http://schemas.microsoft.com/office/drawing/2014/main" id="{5C006D8C-348D-4246-90AF-779DEF748138}"/>
+                </a:ext>
+              </a:extLst>
+            </p:cNvPr>
+            <p:cNvCxnSpPr>
+              <a:cxnSpLocks/>
+              <a:stCxn id="32" idx="2"/>
+              <a:endCxn id="33" idx="0"/>
+            </p:cNvCxnSpPr>
+            <p:nvPr/>
+          </p:nvCxnSpPr>
+          <p:spPr>
+            <a:xfrm flipH="1">
+              <a:off x="1100137" y="1633538"/>
+              <a:ext cx="928687" cy="738187"/>
+            </a:xfrm>
+            <a:prstGeom prst="straightConnector1">
+              <a:avLst/>
+            </a:prstGeom>
+            <a:ln w="19050">
+              <a:solidFill>
+                <a:srgbClr val="1C4357"/>
+              </a:solidFill>
+              <a:tailEnd type="triangle"/>
+            </a:ln>
+          </p:spPr>
+          <p:style>
+            <a:lnRef idx="1">
+              <a:schemeClr val="accent1"/>
+            </a:lnRef>
+            <a:fillRef idx="0">
+              <a:schemeClr val="accent1"/>
+            </a:fillRef>
+            <a:effectRef idx="0">
+              <a:schemeClr val="accent1"/>
+            </a:effectRef>
+            <a:fontRef idx="minor">
+              <a:schemeClr val="tx1"/>
+            </a:fontRef>
+          </p:style>
+        </p:cxnSp>
+        <p:cxnSp>
+          <p:nvCxnSpPr>
+            <p:cNvPr id="35" name="Straight Arrow Connector 34">
+              <a:extLst>
+                <a:ext uri="{FF2B5EF4-FFF2-40B4-BE49-F238E27FC236}">
+                  <a16:creationId xmlns:a16="http://schemas.microsoft.com/office/drawing/2014/main" id="{47B3F148-8FFE-4534-830D-EBF6968034AA}"/>
+                </a:ext>
+              </a:extLst>
+            </p:cNvPr>
+            <p:cNvCxnSpPr>
+              <a:cxnSpLocks/>
+              <a:stCxn id="32" idx="2"/>
+              <a:endCxn id="36" idx="0"/>
+            </p:cNvCxnSpPr>
+            <p:nvPr/>
+          </p:nvCxnSpPr>
+          <p:spPr>
+            <a:xfrm>
+              <a:off x="2028824" y="1633538"/>
+              <a:ext cx="985838" cy="738186"/>
+            </a:xfrm>
+            <a:prstGeom prst="straightConnector1">
+              <a:avLst/>
+            </a:prstGeom>
+            <a:ln w="19050">
+              <a:solidFill>
+                <a:srgbClr val="1C4357"/>
+              </a:solidFill>
+              <a:tailEnd type="triangle"/>
+            </a:ln>
+          </p:spPr>
+          <p:style>
+            <a:lnRef idx="1">
+              <a:schemeClr val="accent1"/>
+            </a:lnRef>
+            <a:fillRef idx="0">
+              <a:schemeClr val="accent1"/>
+            </a:fillRef>
+            <a:effectRef idx="0">
+              <a:schemeClr val="accent1"/>
+            </a:effectRef>
+            <a:fontRef idx="minor">
+              <a:schemeClr val="tx1"/>
+            </a:fontRef>
+          </p:style>
+        </p:cxnSp>
+        <p:sp>
+          <p:nvSpPr>
+            <p:cNvPr id="36" name="Rectangle 35">
+              <a:extLst>
+                <a:ext uri="{FF2B5EF4-FFF2-40B4-BE49-F238E27FC236}">
+                  <a16:creationId xmlns:a16="http://schemas.microsoft.com/office/drawing/2014/main" id="{1A0445E2-FD8F-489E-9B7A-C3D3197BD7CE}"/>
+                </a:ext>
+              </a:extLst>
+            </p:cNvPr>
+            <p:cNvSpPr/>
+            <p:nvPr/>
+          </p:nvSpPr>
+          <p:spPr>
+            <a:xfrm>
+              <a:off x="2171699" y="2371724"/>
+              <a:ext cx="1685925" cy="800099"/>
+            </a:xfrm>
+            <a:prstGeom prst="rect">
+              <a:avLst/>
+            </a:prstGeom>
+            <a:solidFill>
+              <a:srgbClr val="006082"/>
+            </a:solidFill>
+          </p:spPr>
+          <p:style>
+            <a:lnRef idx="2">
+              <a:schemeClr val="accent1">
+                <a:shade val="50000"/>
+              </a:schemeClr>
+            </a:lnRef>
+            <a:fillRef idx="1">
+              <a:schemeClr val="accent1"/>
+            </a:fillRef>
+            <a:effectRef idx="0">
+              <a:schemeClr val="accent1"/>
+            </a:effectRef>
+            <a:fontRef idx="minor">
+              <a:schemeClr val="lt1"/>
+            </a:fontRef>
+          </p:style>
+          <p:txBody>
+            <a:bodyPr rtlCol="0" anchor="ctr"/>
+            <a:lstStyle/>
+            <a:p>
+              <a:pPr algn="ctr"/>
+              <a:r>
+                <a:rPr lang="en-US" dirty="0"/>
+                <a:t>Heart disease</a:t>
+              </a:r>
+            </a:p>
+            <a:p>
+              <a:pPr algn="ctr"/>
+              <a:r>
+                <a:rPr lang="en-US" dirty="0"/>
+                <a:t>Yes = 2</a:t>
+              </a:r>
+            </a:p>
+            <a:p>
+              <a:pPr algn="ctr"/>
+              <a:r>
+                <a:rPr lang="en-US" dirty="0"/>
+                <a:t>No = 4</a:t>
+              </a:r>
+            </a:p>
+          </p:txBody>
+        </p:sp>
+        <p:sp>
+          <p:nvSpPr>
+            <p:cNvPr id="37" name="TextBox 36">
+              <a:extLst>
+                <a:ext uri="{FF2B5EF4-FFF2-40B4-BE49-F238E27FC236}">
+                  <a16:creationId xmlns:a16="http://schemas.microsoft.com/office/drawing/2014/main" id="{41D6163E-64A7-4474-9CE6-4F18A7548C94}"/>
+                </a:ext>
+              </a:extLst>
+            </p:cNvPr>
+            <p:cNvSpPr txBox="1"/>
+            <p:nvPr/>
+          </p:nvSpPr>
+          <p:spPr>
+            <a:xfrm>
+              <a:off x="2666999" y="1790700"/>
+              <a:ext cx="581024" cy="369332"/>
+            </a:xfrm>
+            <a:prstGeom prst="rect">
+              <a:avLst/>
+            </a:prstGeom>
+            <a:noFill/>
+          </p:spPr>
+          <p:txBody>
+            <a:bodyPr wrap="square" rtlCol="0">
+              <a:spAutoFit/>
+            </a:bodyPr>
+            <a:lstStyle/>
+            <a:p>
+              <a:r>
+                <a:rPr lang="en-US" dirty="0"/>
+                <a:t>yes</a:t>
+              </a:r>
+            </a:p>
+          </p:txBody>
+        </p:sp>
+        <p:sp>
+          <p:nvSpPr>
+            <p:cNvPr id="38" name="TextBox 37">
+              <a:extLst>
+                <a:ext uri="{FF2B5EF4-FFF2-40B4-BE49-F238E27FC236}">
+                  <a16:creationId xmlns:a16="http://schemas.microsoft.com/office/drawing/2014/main" id="{ABC6E704-38BD-48D6-A8DD-6ABB20DAAE59}"/>
+                </a:ext>
+              </a:extLst>
+            </p:cNvPr>
+            <p:cNvSpPr txBox="1"/>
+            <p:nvPr/>
+          </p:nvSpPr>
+          <p:spPr>
+            <a:xfrm>
+              <a:off x="957262" y="1790700"/>
+              <a:ext cx="581024" cy="369332"/>
+            </a:xfrm>
+            <a:prstGeom prst="rect">
+              <a:avLst/>
+            </a:prstGeom>
+            <a:noFill/>
+          </p:spPr>
+          <p:txBody>
+            <a:bodyPr wrap="square" rtlCol="0">
+              <a:spAutoFit/>
+            </a:bodyPr>
+            <a:lstStyle/>
+            <a:p>
+              <a:r>
+                <a:rPr lang="en-US" dirty="0"/>
+                <a:t>no</a:t>
+              </a:r>
+            </a:p>
+          </p:txBody>
+        </p:sp>
+      </p:grpSp>
+      <p:grpSp>
+        <p:nvGrpSpPr>
+          <p:cNvPr id="39" name="Group 38">
+            <a:extLst>
+              <a:ext uri="{FF2B5EF4-FFF2-40B4-BE49-F238E27FC236}">
+                <a16:creationId xmlns:a16="http://schemas.microsoft.com/office/drawing/2014/main" id="{D8532E91-657E-4BD4-AFBD-0FCC8ED04CCF}"/>
+              </a:ext>
+            </a:extLst>
+          </p:cNvPr>
+          <p:cNvGrpSpPr/>
+          <p:nvPr/>
+        </p:nvGrpSpPr>
+        <p:grpSpPr>
+          <a:xfrm>
+            <a:off x="8271151" y="1552575"/>
+            <a:ext cx="3676650" cy="2638425"/>
+            <a:chOff x="257175" y="900113"/>
+            <a:chExt cx="3600449" cy="2271710"/>
+          </a:xfrm>
+        </p:grpSpPr>
+        <p:sp>
+          <p:nvSpPr>
+            <p:cNvPr id="40" name="Rectangle 39">
+              <a:extLst>
+                <a:ext uri="{FF2B5EF4-FFF2-40B4-BE49-F238E27FC236}">
+                  <a16:creationId xmlns:a16="http://schemas.microsoft.com/office/drawing/2014/main" id="{C2DF1655-30E8-483F-A1D0-66566A1C967E}"/>
+                </a:ext>
+              </a:extLst>
+            </p:cNvPr>
+            <p:cNvSpPr/>
+            <p:nvPr/>
+          </p:nvSpPr>
+          <p:spPr>
+            <a:xfrm>
+              <a:off x="1323974" y="900113"/>
+              <a:ext cx="1582680" cy="733425"/>
+            </a:xfrm>
+            <a:prstGeom prst="rect">
+              <a:avLst/>
+            </a:prstGeom>
+            <a:solidFill>
+              <a:srgbClr val="006082"/>
+            </a:solidFill>
+          </p:spPr>
+          <p:style>
+            <a:lnRef idx="2">
+              <a:schemeClr val="accent1">
+                <a:shade val="50000"/>
+              </a:schemeClr>
+            </a:lnRef>
+            <a:fillRef idx="1">
+              <a:schemeClr val="accent1"/>
+            </a:fillRef>
+            <a:effectRef idx="0">
+              <a:schemeClr val="accent1"/>
+            </a:effectRef>
+            <a:fontRef idx="minor">
+              <a:schemeClr val="lt1"/>
+            </a:fontRef>
+          </p:style>
+          <p:txBody>
+            <a:bodyPr rtlCol="0" anchor="ctr"/>
+            <a:lstStyle/>
+            <a:p>
+              <a:pPr algn="ctr"/>
+              <a:r>
+                <a:rPr lang="en-US" dirty="0"/>
+                <a:t>Blocked </a:t>
+              </a:r>
+              <a:r>
+                <a:rPr lang="en-US" dirty="0" err="1"/>
+                <a:t>ateries</a:t>
+              </a:r>
+              <a:endParaRPr lang="en-US" dirty="0"/>
+            </a:p>
+            <a:p>
+              <a:pPr algn="ctr"/>
+              <a:r>
+                <a:rPr lang="en-US" sz="1600" i="1" dirty="0"/>
+                <a:t>(</a:t>
+              </a:r>
+              <a:r>
+                <a:rPr lang="en-US" sz="1600" i="1" dirty="0" err="1"/>
+                <a:t>gini</a:t>
+              </a:r>
+              <a:r>
+                <a:rPr lang="en-US" sz="1600" i="1" dirty="0"/>
+                <a:t>=0.36)</a:t>
+              </a:r>
+              <a:endParaRPr lang="en-US" i="1" dirty="0"/>
+            </a:p>
+          </p:txBody>
+        </p:sp>
+        <p:sp>
+          <p:nvSpPr>
+            <p:cNvPr id="41" name="Rectangle 40">
+              <a:extLst>
+                <a:ext uri="{FF2B5EF4-FFF2-40B4-BE49-F238E27FC236}">
+                  <a16:creationId xmlns:a16="http://schemas.microsoft.com/office/drawing/2014/main" id="{6D1FD640-A5E3-4FF9-8773-CD50BFA7B452}"/>
+                </a:ext>
+              </a:extLst>
+            </p:cNvPr>
+            <p:cNvSpPr/>
+            <p:nvPr/>
+          </p:nvSpPr>
+          <p:spPr>
+            <a:xfrm>
+              <a:off x="257175" y="2371725"/>
+              <a:ext cx="1685924" cy="800098"/>
+            </a:xfrm>
+            <a:prstGeom prst="rect">
+              <a:avLst/>
+            </a:prstGeom>
+            <a:solidFill>
+              <a:srgbClr val="006082"/>
+            </a:solidFill>
+          </p:spPr>
+          <p:style>
+            <a:lnRef idx="2">
+              <a:schemeClr val="accent1">
+                <a:shade val="50000"/>
+              </a:schemeClr>
+            </a:lnRef>
+            <a:fillRef idx="1">
+              <a:schemeClr val="accent1"/>
+            </a:fillRef>
+            <a:effectRef idx="0">
+              <a:schemeClr val="accent1"/>
+            </a:effectRef>
+            <a:fontRef idx="minor">
+              <a:schemeClr val="lt1"/>
+            </a:fontRef>
+          </p:style>
+          <p:txBody>
+            <a:bodyPr rtlCol="0" anchor="ctr"/>
+            <a:lstStyle/>
+            <a:p>
+              <a:pPr algn="ctr"/>
+              <a:r>
+                <a:rPr lang="en-US" dirty="0"/>
+                <a:t>Heart disease</a:t>
+              </a:r>
+            </a:p>
+            <a:p>
+              <a:pPr algn="ctr"/>
+              <a:r>
+                <a:rPr lang="en-US" dirty="0"/>
+                <a:t>Yes = 1</a:t>
+              </a:r>
+            </a:p>
+            <a:p>
+              <a:pPr algn="ctr"/>
+              <a:r>
+                <a:rPr lang="en-US" dirty="0"/>
+                <a:t>No = 3</a:t>
+              </a:r>
+            </a:p>
+          </p:txBody>
+        </p:sp>
+        <p:cxnSp>
+          <p:nvCxnSpPr>
+            <p:cNvPr id="42" name="Straight Arrow Connector 41">
+              <a:extLst>
+                <a:ext uri="{FF2B5EF4-FFF2-40B4-BE49-F238E27FC236}">
+                  <a16:creationId xmlns:a16="http://schemas.microsoft.com/office/drawing/2014/main" id="{010230B8-6DF0-4429-8829-5B44B1195A53}"/>
+                </a:ext>
+              </a:extLst>
+            </p:cNvPr>
+            <p:cNvCxnSpPr>
+              <a:cxnSpLocks/>
+              <a:stCxn id="40" idx="2"/>
+              <a:endCxn id="41" idx="0"/>
+            </p:cNvCxnSpPr>
+            <p:nvPr/>
+          </p:nvCxnSpPr>
+          <p:spPr>
+            <a:xfrm flipH="1">
+              <a:off x="1100137" y="1633538"/>
+              <a:ext cx="1015176" cy="738188"/>
+            </a:xfrm>
+            <a:prstGeom prst="straightConnector1">
+              <a:avLst/>
+            </a:prstGeom>
+            <a:ln w="19050">
+              <a:solidFill>
+                <a:srgbClr val="1C4357"/>
+              </a:solidFill>
+              <a:tailEnd type="triangle"/>
+            </a:ln>
+          </p:spPr>
+          <p:style>
+            <a:lnRef idx="1">
+              <a:schemeClr val="accent1"/>
+            </a:lnRef>
+            <a:fillRef idx="0">
+              <a:schemeClr val="accent1"/>
+            </a:fillRef>
+            <a:effectRef idx="0">
+              <a:schemeClr val="accent1"/>
+            </a:effectRef>
+            <a:fontRef idx="minor">
+              <a:schemeClr val="tx1"/>
+            </a:fontRef>
+          </p:style>
+        </p:cxnSp>
+        <p:cxnSp>
+          <p:nvCxnSpPr>
+            <p:cNvPr id="43" name="Straight Arrow Connector 42">
+              <a:extLst>
+                <a:ext uri="{FF2B5EF4-FFF2-40B4-BE49-F238E27FC236}">
+                  <a16:creationId xmlns:a16="http://schemas.microsoft.com/office/drawing/2014/main" id="{ACAD66E5-C8F0-41CB-A139-482A02F72B0E}"/>
+                </a:ext>
+              </a:extLst>
+            </p:cNvPr>
+            <p:cNvCxnSpPr>
+              <a:cxnSpLocks/>
+              <a:stCxn id="40" idx="2"/>
+              <a:endCxn id="44" idx="0"/>
+            </p:cNvCxnSpPr>
+            <p:nvPr/>
+          </p:nvCxnSpPr>
+          <p:spPr>
+            <a:xfrm>
+              <a:off x="2115314" y="1633538"/>
+              <a:ext cx="899348" cy="738187"/>
+            </a:xfrm>
+            <a:prstGeom prst="straightConnector1">
+              <a:avLst/>
+            </a:prstGeom>
+            <a:ln w="19050">
+              <a:solidFill>
+                <a:srgbClr val="1C4357"/>
+              </a:solidFill>
+              <a:tailEnd type="triangle"/>
+            </a:ln>
+          </p:spPr>
+          <p:style>
+            <a:lnRef idx="1">
+              <a:schemeClr val="accent1"/>
+            </a:lnRef>
+            <a:fillRef idx="0">
+              <a:schemeClr val="accent1"/>
+            </a:fillRef>
+            <a:effectRef idx="0">
+              <a:schemeClr val="accent1"/>
+            </a:effectRef>
+            <a:fontRef idx="minor">
+              <a:schemeClr val="tx1"/>
+            </a:fontRef>
+          </p:style>
+        </p:cxnSp>
+        <p:sp>
+          <p:nvSpPr>
+            <p:cNvPr id="44" name="Rectangle 43">
+              <a:extLst>
+                <a:ext uri="{FF2B5EF4-FFF2-40B4-BE49-F238E27FC236}">
+                  <a16:creationId xmlns:a16="http://schemas.microsoft.com/office/drawing/2014/main" id="{56087641-8089-4ECF-A908-542CBA147F48}"/>
+                </a:ext>
+              </a:extLst>
+            </p:cNvPr>
+            <p:cNvSpPr/>
+            <p:nvPr/>
+          </p:nvSpPr>
+          <p:spPr>
+            <a:xfrm>
+              <a:off x="2171699" y="2371724"/>
+              <a:ext cx="1685925" cy="800099"/>
+            </a:xfrm>
+            <a:prstGeom prst="rect">
+              <a:avLst/>
+            </a:prstGeom>
+            <a:solidFill>
+              <a:srgbClr val="006082"/>
+            </a:solidFill>
+          </p:spPr>
+          <p:style>
+            <a:lnRef idx="2">
+              <a:schemeClr val="accent1">
+                <a:shade val="50000"/>
+              </a:schemeClr>
+            </a:lnRef>
+            <a:fillRef idx="1">
+              <a:schemeClr val="accent1"/>
+            </a:fillRef>
+            <a:effectRef idx="0">
+              <a:schemeClr val="accent1"/>
+            </a:effectRef>
+            <a:fontRef idx="minor">
+              <a:schemeClr val="lt1"/>
+            </a:fontRef>
+          </p:style>
+          <p:txBody>
+            <a:bodyPr rtlCol="0" anchor="ctr"/>
+            <a:lstStyle/>
+            <a:p>
+              <a:pPr algn="ctr"/>
+              <a:r>
+                <a:rPr lang="en-US" dirty="0"/>
+                <a:t>Heart disease</a:t>
+              </a:r>
+            </a:p>
+            <a:p>
+              <a:pPr algn="ctr"/>
+              <a:r>
+                <a:rPr lang="en-US" dirty="0"/>
+                <a:t>Yes = 7</a:t>
+              </a:r>
+            </a:p>
+            <a:p>
+              <a:pPr algn="ctr"/>
+              <a:r>
+                <a:rPr lang="en-US" dirty="0"/>
+                <a:t>No = 2</a:t>
+              </a:r>
+            </a:p>
+          </p:txBody>
+        </p:sp>
+        <p:sp>
+          <p:nvSpPr>
+            <p:cNvPr id="45" name="TextBox 44">
+              <a:extLst>
+                <a:ext uri="{FF2B5EF4-FFF2-40B4-BE49-F238E27FC236}">
+                  <a16:creationId xmlns:a16="http://schemas.microsoft.com/office/drawing/2014/main" id="{ED85135D-87B6-4FD6-A487-E9E893CA2F37}"/>
+                </a:ext>
+              </a:extLst>
+            </p:cNvPr>
+            <p:cNvSpPr txBox="1"/>
+            <p:nvPr/>
+          </p:nvSpPr>
+          <p:spPr>
+            <a:xfrm>
+              <a:off x="2666999" y="1790700"/>
+              <a:ext cx="581024" cy="369332"/>
+            </a:xfrm>
+            <a:prstGeom prst="rect">
+              <a:avLst/>
+            </a:prstGeom>
+            <a:noFill/>
+          </p:spPr>
+          <p:txBody>
+            <a:bodyPr wrap="square" rtlCol="0">
+              <a:spAutoFit/>
+            </a:bodyPr>
+            <a:lstStyle/>
+            <a:p>
+              <a:r>
+                <a:rPr lang="en-US" dirty="0"/>
+                <a:t>yes</a:t>
+              </a:r>
+            </a:p>
+          </p:txBody>
+        </p:sp>
+        <p:sp>
+          <p:nvSpPr>
+            <p:cNvPr id="46" name="TextBox 45">
+              <a:extLst>
+                <a:ext uri="{FF2B5EF4-FFF2-40B4-BE49-F238E27FC236}">
+                  <a16:creationId xmlns:a16="http://schemas.microsoft.com/office/drawing/2014/main" id="{BF80D66B-A1CE-4572-BCB4-A42A1570AE00}"/>
+                </a:ext>
+              </a:extLst>
+            </p:cNvPr>
+            <p:cNvSpPr txBox="1"/>
+            <p:nvPr/>
+          </p:nvSpPr>
+          <p:spPr>
+            <a:xfrm>
+              <a:off x="957262" y="1790700"/>
+              <a:ext cx="581024" cy="369332"/>
+            </a:xfrm>
+            <a:prstGeom prst="rect">
+              <a:avLst/>
+            </a:prstGeom>
+            <a:noFill/>
+          </p:spPr>
+          <p:txBody>
+            <a:bodyPr wrap="square" rtlCol="0">
+              <a:spAutoFit/>
+            </a:bodyPr>
+            <a:lstStyle/>
+            <a:p>
+              <a:r>
+                <a:rPr lang="en-US" dirty="0"/>
+                <a:t>no</a:t>
+              </a:r>
+            </a:p>
+          </p:txBody>
+        </p:sp>
+      </p:grpSp>
+    </p:spTree>
+    <p:extLst>
+      <p:ext uri="{BB962C8B-B14F-4D97-AF65-F5344CB8AC3E}">
+        <p14:creationId xmlns:p14="http://schemas.microsoft.com/office/powerpoint/2010/main" val="4217762632"/>
+      </p:ext>
+    </p:extLst>
+  </p:cSld>
+  <p:clrMapOvr>
+    <a:masterClrMapping/>
+  </p:clrMapOvr>
+</p:sld>
+</file>
+
+<file path=ppt/slides/slide11.xml><?xml version="1.0" encoding="utf-8"?>
+<p:sld xmlns:a="http://schemas.openxmlformats.org/drawingml/2006/main" xmlns:r="http://schemas.openxmlformats.org/officeDocument/2006/relationships" xmlns:p="http://schemas.openxmlformats.org/presentationml/2006/main">
+  <p:cSld>
+    <p:spTree>
+      <p:nvGrpSpPr>
+        <p:cNvPr id="1" name=""/>
+        <p:cNvGrpSpPr/>
+        <p:nvPr/>
+      </p:nvGrpSpPr>
+      <p:grpSpPr>
+        <a:xfrm>
+          <a:off x="0" y="0"/>
+          <a:ext cx="0" cy="0"/>
+          <a:chOff x="0" y="0"/>
+          <a:chExt cx="0" cy="0"/>
+        </a:xfrm>
+      </p:grpSpPr>
+      <p:grpSp>
+        <p:nvGrpSpPr>
+          <p:cNvPr id="27" name="Group 26">
+            <a:extLst>
+              <a:ext uri="{FF2B5EF4-FFF2-40B4-BE49-F238E27FC236}">
+                <a16:creationId xmlns:a16="http://schemas.microsoft.com/office/drawing/2014/main" id="{6CFB421A-49F6-4F87-8DAB-946FA4BD5CAA}"/>
+              </a:ext>
+            </a:extLst>
+          </p:cNvPr>
+          <p:cNvGrpSpPr/>
+          <p:nvPr/>
+        </p:nvGrpSpPr>
+        <p:grpSpPr>
+          <a:xfrm>
+            <a:off x="653836" y="962025"/>
+            <a:ext cx="4969001" cy="4526473"/>
+            <a:chOff x="3249851" y="676275"/>
+            <a:chExt cx="4969001" cy="4526473"/>
+          </a:xfrm>
+        </p:grpSpPr>
+        <p:grpSp>
+          <p:nvGrpSpPr>
+            <p:cNvPr id="31" name="Group 30">
+              <a:extLst>
+                <a:ext uri="{FF2B5EF4-FFF2-40B4-BE49-F238E27FC236}">
+                  <a16:creationId xmlns:a16="http://schemas.microsoft.com/office/drawing/2014/main" id="{480EBAB3-D78F-4DB2-AD00-44983EF25374}"/>
+                </a:ext>
+              </a:extLst>
+            </p:cNvPr>
+            <p:cNvGrpSpPr/>
+            <p:nvPr/>
+          </p:nvGrpSpPr>
+          <p:grpSpPr>
+            <a:xfrm>
+              <a:off x="4158003" y="676275"/>
+              <a:ext cx="4060849" cy="2638426"/>
+              <a:chOff x="114300" y="900113"/>
+              <a:chExt cx="3976685" cy="2271711"/>
+            </a:xfrm>
+          </p:grpSpPr>
+          <p:sp>
+            <p:nvSpPr>
+              <p:cNvPr id="32" name="Rectangle 31">
+                <a:extLst>
+                  <a:ext uri="{FF2B5EF4-FFF2-40B4-BE49-F238E27FC236}">
+                    <a16:creationId xmlns:a16="http://schemas.microsoft.com/office/drawing/2014/main" id="{7AE6697E-7D60-4E3E-A6A6-D1E596419A3D}"/>
+                  </a:ext>
+                </a:extLst>
+              </p:cNvPr>
+              <p:cNvSpPr/>
+              <p:nvPr/>
+            </p:nvSpPr>
+            <p:spPr>
+              <a:xfrm>
+                <a:off x="957262" y="900113"/>
+                <a:ext cx="2290761" cy="733425"/>
+              </a:xfrm>
+              <a:prstGeom prst="rect">
+                <a:avLst/>
+              </a:prstGeom>
+              <a:solidFill>
+                <a:srgbClr val="006082"/>
+              </a:solidFill>
+            </p:spPr>
+            <p:style>
+              <a:lnRef idx="2">
+                <a:schemeClr val="accent1">
+                  <a:shade val="50000"/>
+                </a:schemeClr>
+              </a:lnRef>
+              <a:fillRef idx="1">
+                <a:schemeClr val="accent1"/>
+              </a:fillRef>
+              <a:effectRef idx="0">
+                <a:schemeClr val="accent1"/>
+              </a:effectRef>
+              <a:fontRef idx="minor">
+                <a:schemeClr val="lt1"/>
+              </a:fontRef>
+            </p:style>
+            <p:txBody>
+              <a:bodyPr rtlCol="0" anchor="ctr"/>
+              <a:lstStyle/>
+              <a:p>
+                <a:pPr algn="ctr"/>
+                <a:r>
+                  <a:rPr lang="en-US" dirty="0"/>
+                  <a:t>Good blood circulation</a:t>
+                </a:r>
+              </a:p>
+              <a:p>
+                <a:pPr algn="ctr"/>
+                <a:r>
+                  <a:rPr lang="en-US" sz="1600" i="1" dirty="0"/>
+                  <a:t>(</a:t>
+                </a:r>
+                <a:r>
+                  <a:rPr lang="en-US" sz="1600" i="1" dirty="0" err="1"/>
+                  <a:t>gini</a:t>
+                </a:r>
+                <a:r>
+                  <a:rPr lang="en-US" sz="1600" i="1" dirty="0"/>
+                  <a:t>=0.34)</a:t>
+                </a:r>
+                <a:endParaRPr lang="en-US" i="1" dirty="0"/>
+              </a:p>
+            </p:txBody>
+          </p:sp>
+          <p:sp>
+            <p:nvSpPr>
+              <p:cNvPr id="33" name="Rectangle 32">
+                <a:extLst>
+                  <a:ext uri="{FF2B5EF4-FFF2-40B4-BE49-F238E27FC236}">
+                    <a16:creationId xmlns:a16="http://schemas.microsoft.com/office/drawing/2014/main" id="{E40670A4-577D-4B1F-AC6C-450772D68BFC}"/>
+                  </a:ext>
+                </a:extLst>
+              </p:cNvPr>
+              <p:cNvSpPr/>
+              <p:nvPr/>
+            </p:nvSpPr>
+            <p:spPr>
+              <a:xfrm>
+                <a:off x="114300" y="2371726"/>
+                <a:ext cx="1685924" cy="800098"/>
+              </a:xfrm>
+              <a:prstGeom prst="rect">
+                <a:avLst/>
+              </a:prstGeom>
+              <a:solidFill>
+                <a:srgbClr val="006082"/>
+              </a:solidFill>
+            </p:spPr>
+            <p:style>
+              <a:lnRef idx="2">
+                <a:schemeClr val="accent1">
+                  <a:shade val="50000"/>
+                </a:schemeClr>
+              </a:lnRef>
+              <a:fillRef idx="1">
+                <a:schemeClr val="accent1"/>
+              </a:fillRef>
+              <a:effectRef idx="0">
+                <a:schemeClr val="accent1"/>
+              </a:effectRef>
+              <a:fontRef idx="minor">
+                <a:schemeClr val="lt1"/>
+              </a:fontRef>
+            </p:style>
+            <p:txBody>
+              <a:bodyPr rtlCol="0" anchor="ctr"/>
+              <a:lstStyle/>
+              <a:p>
+                <a:pPr algn="ctr"/>
+                <a:r>
+                  <a:rPr lang="en-US" dirty="0"/>
+                  <a:t>Chest pain</a:t>
+                </a:r>
+              </a:p>
+              <a:p>
+                <a:pPr algn="ctr"/>
+                <a:r>
+                  <a:rPr lang="en-US" sz="1600" i="1" dirty="0"/>
+                  <a:t>(</a:t>
+                </a:r>
+                <a:r>
+                  <a:rPr lang="en-US" sz="1600" i="1" dirty="0" err="1"/>
+                  <a:t>gini</a:t>
+                </a:r>
+                <a:r>
+                  <a:rPr lang="en-US" sz="1600" i="1" dirty="0"/>
+                  <a:t>=0.19)</a:t>
+                </a:r>
+                <a:endParaRPr lang="en-US" i="1" dirty="0"/>
+              </a:p>
+            </p:txBody>
+          </p:sp>
+          <p:cxnSp>
+            <p:nvCxnSpPr>
+              <p:cNvPr id="34" name="Straight Arrow Connector 33">
+                <a:extLst>
+                  <a:ext uri="{FF2B5EF4-FFF2-40B4-BE49-F238E27FC236}">
+                    <a16:creationId xmlns:a16="http://schemas.microsoft.com/office/drawing/2014/main" id="{5C006D8C-348D-4246-90AF-779DEF748138}"/>
+                  </a:ext>
+                </a:extLst>
+              </p:cNvPr>
+              <p:cNvCxnSpPr>
+                <a:cxnSpLocks/>
+                <a:stCxn id="32" idx="2"/>
+                <a:endCxn id="33" idx="0"/>
+              </p:cNvCxnSpPr>
+              <p:nvPr/>
+            </p:nvCxnSpPr>
+            <p:spPr>
+              <a:xfrm flipH="1">
+                <a:off x="957262" y="1633538"/>
+                <a:ext cx="1145381" cy="738189"/>
+              </a:xfrm>
+              <a:prstGeom prst="straightConnector1">
+                <a:avLst/>
+              </a:prstGeom>
+              <a:ln w="19050">
+                <a:solidFill>
+                  <a:srgbClr val="1C4357"/>
+                </a:solidFill>
+                <a:tailEnd type="triangle"/>
+              </a:ln>
+            </p:spPr>
+            <p:style>
+              <a:lnRef idx="1">
+                <a:schemeClr val="accent1"/>
+              </a:lnRef>
+              <a:fillRef idx="0">
+                <a:schemeClr val="accent1"/>
+              </a:fillRef>
+              <a:effectRef idx="0">
+                <a:schemeClr val="accent1"/>
+              </a:effectRef>
+              <a:fontRef idx="minor">
+                <a:schemeClr val="tx1"/>
+              </a:fontRef>
+            </p:style>
+          </p:cxnSp>
+          <p:cxnSp>
+            <p:nvCxnSpPr>
+              <p:cNvPr id="35" name="Straight Arrow Connector 34">
+                <a:extLst>
+                  <a:ext uri="{FF2B5EF4-FFF2-40B4-BE49-F238E27FC236}">
+                    <a16:creationId xmlns:a16="http://schemas.microsoft.com/office/drawing/2014/main" id="{47B3F148-8FFE-4534-830D-EBF6968034AA}"/>
+                  </a:ext>
+                </a:extLst>
+              </p:cNvPr>
+              <p:cNvCxnSpPr>
+                <a:cxnSpLocks/>
+                <a:stCxn id="32" idx="2"/>
+                <a:endCxn id="36" idx="0"/>
+              </p:cNvCxnSpPr>
+              <p:nvPr/>
+            </p:nvCxnSpPr>
+            <p:spPr>
+              <a:xfrm>
+                <a:off x="2102643" y="1633538"/>
+                <a:ext cx="1145380" cy="738188"/>
+              </a:xfrm>
+              <a:prstGeom prst="straightConnector1">
+                <a:avLst/>
+              </a:prstGeom>
+              <a:ln w="19050">
+                <a:solidFill>
+                  <a:srgbClr val="1C4357"/>
+                </a:solidFill>
+                <a:tailEnd type="triangle"/>
+              </a:ln>
+            </p:spPr>
+            <p:style>
+              <a:lnRef idx="1">
+                <a:schemeClr val="accent1"/>
+              </a:lnRef>
+              <a:fillRef idx="0">
+                <a:schemeClr val="accent1"/>
+              </a:fillRef>
+              <a:effectRef idx="0">
+                <a:schemeClr val="accent1"/>
+              </a:effectRef>
+              <a:fontRef idx="minor">
+                <a:schemeClr val="tx1"/>
+              </a:fontRef>
+            </p:style>
+          </p:cxnSp>
+          <p:sp>
+            <p:nvSpPr>
+              <p:cNvPr id="36" name="Rectangle 35">
+                <a:extLst>
+                  <a:ext uri="{FF2B5EF4-FFF2-40B4-BE49-F238E27FC236}">
+                    <a16:creationId xmlns:a16="http://schemas.microsoft.com/office/drawing/2014/main" id="{1A0445E2-FD8F-489E-9B7A-C3D3197BD7CE}"/>
+                  </a:ext>
+                </a:extLst>
+              </p:cNvPr>
+              <p:cNvSpPr/>
+              <p:nvPr/>
+            </p:nvSpPr>
+            <p:spPr>
+              <a:xfrm>
+                <a:off x="2405060" y="2371725"/>
+                <a:ext cx="1685925" cy="800099"/>
+              </a:xfrm>
+              <a:prstGeom prst="rect">
+                <a:avLst/>
+              </a:prstGeom>
+              <a:solidFill>
+                <a:srgbClr val="006082"/>
+              </a:solidFill>
+            </p:spPr>
+            <p:style>
+              <a:lnRef idx="2">
+                <a:schemeClr val="accent1">
+                  <a:shade val="50000"/>
+                </a:schemeClr>
+              </a:lnRef>
+              <a:fillRef idx="1">
+                <a:schemeClr val="accent1"/>
+              </a:fillRef>
+              <a:effectRef idx="0">
+                <a:schemeClr val="accent1"/>
+              </a:effectRef>
+              <a:fontRef idx="minor">
+                <a:schemeClr val="lt1"/>
+              </a:fontRef>
+            </p:style>
+            <p:txBody>
+              <a:bodyPr rtlCol="0" anchor="ctr"/>
+              <a:lstStyle/>
+              <a:p>
+                <a:pPr algn="ctr"/>
+                <a:r>
+                  <a:rPr lang="en-US" dirty="0"/>
+                  <a:t>6/13</a:t>
+                </a:r>
+              </a:p>
+            </p:txBody>
+          </p:sp>
+          <p:sp>
+            <p:nvSpPr>
+              <p:cNvPr id="37" name="TextBox 36">
+                <a:extLst>
+                  <a:ext uri="{FF2B5EF4-FFF2-40B4-BE49-F238E27FC236}">
+                    <a16:creationId xmlns:a16="http://schemas.microsoft.com/office/drawing/2014/main" id="{41D6163E-64A7-4474-9CE6-4F18A7548C94}"/>
+                  </a:ext>
+                </a:extLst>
+              </p:cNvPr>
+              <p:cNvSpPr txBox="1"/>
+              <p:nvPr/>
+            </p:nvSpPr>
+            <p:spPr>
+              <a:xfrm>
+                <a:off x="2666999" y="1790700"/>
+                <a:ext cx="581024" cy="369332"/>
+              </a:xfrm>
+              <a:prstGeom prst="rect">
+                <a:avLst/>
+              </a:prstGeom>
+              <a:noFill/>
+            </p:spPr>
+            <p:txBody>
+              <a:bodyPr wrap="square" rtlCol="0">
+                <a:spAutoFit/>
+              </a:bodyPr>
+              <a:lstStyle/>
+              <a:p>
+                <a:r>
+                  <a:rPr lang="en-US" dirty="0"/>
+                  <a:t>yes</a:t>
+                </a:r>
+              </a:p>
+            </p:txBody>
+          </p:sp>
+          <p:sp>
+            <p:nvSpPr>
+              <p:cNvPr id="38" name="TextBox 37">
+                <a:extLst>
+                  <a:ext uri="{FF2B5EF4-FFF2-40B4-BE49-F238E27FC236}">
+                    <a16:creationId xmlns:a16="http://schemas.microsoft.com/office/drawing/2014/main" id="{ABC6E704-38BD-48D6-A8DD-6ABB20DAAE59}"/>
+                  </a:ext>
+                </a:extLst>
+              </p:cNvPr>
+              <p:cNvSpPr txBox="1"/>
+              <p:nvPr/>
+            </p:nvSpPr>
+            <p:spPr>
+              <a:xfrm>
+                <a:off x="957262" y="1790700"/>
+                <a:ext cx="581024" cy="369332"/>
+              </a:xfrm>
+              <a:prstGeom prst="rect">
+                <a:avLst/>
+              </a:prstGeom>
+              <a:noFill/>
+            </p:spPr>
+            <p:txBody>
+              <a:bodyPr wrap="square" rtlCol="0">
+                <a:spAutoFit/>
+              </a:bodyPr>
+              <a:lstStyle/>
+              <a:p>
+                <a:r>
+                  <a:rPr lang="en-US" dirty="0"/>
+                  <a:t>no</a:t>
+                </a:r>
+              </a:p>
+            </p:txBody>
+          </p:sp>
+        </p:grpSp>
+        <p:sp>
+          <p:nvSpPr>
+            <p:cNvPr id="47" name="Rectangle 46">
+              <a:extLst>
+                <a:ext uri="{FF2B5EF4-FFF2-40B4-BE49-F238E27FC236}">
+                  <a16:creationId xmlns:a16="http://schemas.microsoft.com/office/drawing/2014/main" id="{9918F01F-A9E0-44FF-86D5-D15A935D58BF}"/>
+                </a:ext>
+              </a:extLst>
+            </p:cNvPr>
+            <p:cNvSpPr/>
+            <p:nvPr/>
+          </p:nvSpPr>
+          <p:spPr>
+            <a:xfrm>
+              <a:off x="3249851" y="4273492"/>
+              <a:ext cx="1634306" cy="929255"/>
+            </a:xfrm>
+            <a:prstGeom prst="rect">
+              <a:avLst/>
+            </a:prstGeom>
+            <a:solidFill>
+              <a:srgbClr val="006082"/>
+            </a:solidFill>
+          </p:spPr>
+          <p:style>
+            <a:lnRef idx="2">
+              <a:schemeClr val="accent1">
+                <a:shade val="50000"/>
+              </a:schemeClr>
+            </a:lnRef>
+            <a:fillRef idx="1">
+              <a:schemeClr val="accent1"/>
+            </a:fillRef>
+            <a:effectRef idx="0">
+              <a:schemeClr val="accent1"/>
+            </a:effectRef>
+            <a:fontRef idx="minor">
+              <a:schemeClr val="lt1"/>
+            </a:fontRef>
+          </p:style>
+          <p:txBody>
+            <a:bodyPr rtlCol="0" anchor="ctr"/>
+            <a:lstStyle/>
+            <a:p>
+              <a:pPr algn="ctr"/>
+              <a:r>
+                <a:rPr lang="en-US" dirty="0"/>
+                <a:t>Heart disease</a:t>
+              </a:r>
+            </a:p>
+            <a:p>
+              <a:pPr algn="ctr"/>
+              <a:r>
+                <a:rPr lang="en-US" dirty="0"/>
+                <a:t>Yes = 2</a:t>
+              </a:r>
+            </a:p>
+            <a:p>
+              <a:pPr algn="ctr"/>
+              <a:r>
+                <a:rPr lang="en-US" dirty="0"/>
+                <a:t>No = 1</a:t>
+              </a:r>
+            </a:p>
+          </p:txBody>
+        </p:sp>
+        <p:sp>
+          <p:nvSpPr>
+            <p:cNvPr id="48" name="Rectangle 47">
+              <a:extLst>
+                <a:ext uri="{FF2B5EF4-FFF2-40B4-BE49-F238E27FC236}">
+                  <a16:creationId xmlns:a16="http://schemas.microsoft.com/office/drawing/2014/main" id="{F0669F3C-51C7-4901-BA0C-AB655F9C2A0A}"/>
+                </a:ext>
+              </a:extLst>
+            </p:cNvPr>
+            <p:cNvSpPr/>
+            <p:nvPr/>
+          </p:nvSpPr>
+          <p:spPr>
+            <a:xfrm>
+              <a:off x="5130422" y="4273493"/>
+              <a:ext cx="1634306" cy="929255"/>
+            </a:xfrm>
+            <a:prstGeom prst="rect">
+              <a:avLst/>
+            </a:prstGeom>
+            <a:solidFill>
+              <a:srgbClr val="006082"/>
+            </a:solidFill>
+          </p:spPr>
+          <p:style>
+            <a:lnRef idx="2">
+              <a:schemeClr val="accent1">
+                <a:shade val="50000"/>
+              </a:schemeClr>
+            </a:lnRef>
+            <a:fillRef idx="1">
+              <a:schemeClr val="accent1"/>
+            </a:fillRef>
+            <a:effectRef idx="0">
+              <a:schemeClr val="accent1"/>
+            </a:effectRef>
+            <a:fontRef idx="minor">
+              <a:schemeClr val="lt1"/>
+            </a:fontRef>
+          </p:style>
+          <p:txBody>
+            <a:bodyPr rtlCol="0" anchor="ctr"/>
+            <a:lstStyle/>
+            <a:p>
+              <a:pPr algn="ctr"/>
+              <a:r>
+                <a:rPr lang="en-US" dirty="0"/>
+                <a:t>Heart disease</a:t>
+              </a:r>
+            </a:p>
+            <a:p>
+              <a:pPr algn="ctr"/>
+              <a:r>
+                <a:rPr lang="en-US" dirty="0"/>
+                <a:t>Yes = 4</a:t>
+              </a:r>
+            </a:p>
+            <a:p>
+              <a:pPr algn="ctr"/>
+              <a:r>
+                <a:rPr lang="en-US" dirty="0"/>
+                <a:t>No = 0</a:t>
+              </a:r>
+            </a:p>
+          </p:txBody>
+        </p:sp>
+        <p:cxnSp>
+          <p:nvCxnSpPr>
+            <p:cNvPr id="49" name="Straight Arrow Connector 48">
+              <a:extLst>
+                <a:ext uri="{FF2B5EF4-FFF2-40B4-BE49-F238E27FC236}">
+                  <a16:creationId xmlns:a16="http://schemas.microsoft.com/office/drawing/2014/main" id="{BBED8F5A-FCD1-4D10-BD45-1488EF433EFC}"/>
+                </a:ext>
+              </a:extLst>
+            </p:cNvPr>
+            <p:cNvCxnSpPr>
+              <a:cxnSpLocks/>
+              <a:stCxn id="33" idx="2"/>
+              <a:endCxn id="47" idx="0"/>
+            </p:cNvCxnSpPr>
+            <p:nvPr/>
+          </p:nvCxnSpPr>
+          <p:spPr>
+            <a:xfrm flipH="1">
+              <a:off x="4067004" y="3314701"/>
+              <a:ext cx="951802" cy="958791"/>
+            </a:xfrm>
+            <a:prstGeom prst="straightConnector1">
+              <a:avLst/>
+            </a:prstGeom>
+            <a:ln w="19050">
+              <a:solidFill>
+                <a:srgbClr val="1C4357"/>
+              </a:solidFill>
+              <a:tailEnd type="triangle"/>
+            </a:ln>
+          </p:spPr>
+          <p:style>
+            <a:lnRef idx="1">
+              <a:schemeClr val="accent1"/>
+            </a:lnRef>
+            <a:fillRef idx="0">
+              <a:schemeClr val="accent1"/>
+            </a:fillRef>
+            <a:effectRef idx="0">
+              <a:schemeClr val="accent1"/>
+            </a:effectRef>
+            <a:fontRef idx="minor">
+              <a:schemeClr val="tx1"/>
+            </a:fontRef>
+          </p:style>
+        </p:cxnSp>
+        <p:cxnSp>
+          <p:nvCxnSpPr>
+            <p:cNvPr id="50" name="Straight Arrow Connector 49">
+              <a:extLst>
+                <a:ext uri="{FF2B5EF4-FFF2-40B4-BE49-F238E27FC236}">
+                  <a16:creationId xmlns:a16="http://schemas.microsoft.com/office/drawing/2014/main" id="{F9149A74-6A43-4B1E-B493-799228B9CE78}"/>
+                </a:ext>
+              </a:extLst>
+            </p:cNvPr>
+            <p:cNvCxnSpPr>
+              <a:cxnSpLocks/>
+              <a:stCxn id="33" idx="2"/>
+              <a:endCxn id="48" idx="0"/>
+            </p:cNvCxnSpPr>
+            <p:nvPr/>
+          </p:nvCxnSpPr>
+          <p:spPr>
+            <a:xfrm>
+              <a:off x="5018806" y="3314701"/>
+              <a:ext cx="928769" cy="958792"/>
+            </a:xfrm>
+            <a:prstGeom prst="straightConnector1">
+              <a:avLst/>
+            </a:prstGeom>
+            <a:ln w="19050">
+              <a:solidFill>
+                <a:srgbClr val="1C4357"/>
+              </a:solidFill>
+              <a:tailEnd type="triangle"/>
+            </a:ln>
+          </p:spPr>
+          <p:style>
+            <a:lnRef idx="1">
+              <a:schemeClr val="accent1"/>
+            </a:lnRef>
+            <a:fillRef idx="0">
+              <a:schemeClr val="accent1"/>
+            </a:fillRef>
+            <a:effectRef idx="0">
+              <a:schemeClr val="accent1"/>
+            </a:effectRef>
+            <a:fontRef idx="minor">
+              <a:schemeClr val="tx1"/>
+            </a:fontRef>
+          </p:style>
+        </p:cxnSp>
+        <p:sp>
+          <p:nvSpPr>
+            <p:cNvPr id="51" name="TextBox 50">
+              <a:extLst>
+                <a:ext uri="{FF2B5EF4-FFF2-40B4-BE49-F238E27FC236}">
+                  <a16:creationId xmlns:a16="http://schemas.microsoft.com/office/drawing/2014/main" id="{55C79155-2BEF-4608-82C5-BD12924713C7}"/>
+                </a:ext>
+              </a:extLst>
+            </p:cNvPr>
+            <p:cNvSpPr txBox="1"/>
+            <p:nvPr/>
+          </p:nvSpPr>
+          <p:spPr>
+            <a:xfrm>
+              <a:off x="4067004" y="3543300"/>
+              <a:ext cx="593321" cy="428952"/>
+            </a:xfrm>
+            <a:prstGeom prst="rect">
+              <a:avLst/>
+            </a:prstGeom>
+            <a:noFill/>
+          </p:spPr>
+          <p:txBody>
+            <a:bodyPr wrap="square" rtlCol="0">
+              <a:spAutoFit/>
+            </a:bodyPr>
+            <a:lstStyle/>
+            <a:p>
+              <a:r>
+                <a:rPr lang="en-US" dirty="0"/>
+                <a:t>no</a:t>
+              </a:r>
+            </a:p>
+          </p:txBody>
+        </p:sp>
+        <p:sp>
+          <p:nvSpPr>
+            <p:cNvPr id="52" name="TextBox 51">
+              <a:extLst>
+                <a:ext uri="{FF2B5EF4-FFF2-40B4-BE49-F238E27FC236}">
+                  <a16:creationId xmlns:a16="http://schemas.microsoft.com/office/drawing/2014/main" id="{B4913E6F-6737-44B2-822F-B288A099C2AA}"/>
+                </a:ext>
+              </a:extLst>
+            </p:cNvPr>
+            <p:cNvSpPr txBox="1"/>
+            <p:nvPr/>
+          </p:nvSpPr>
+          <p:spPr>
+            <a:xfrm>
+              <a:off x="5539298" y="3543300"/>
+              <a:ext cx="593321" cy="428952"/>
+            </a:xfrm>
+            <a:prstGeom prst="rect">
+              <a:avLst/>
+            </a:prstGeom>
+            <a:noFill/>
+          </p:spPr>
+          <p:txBody>
+            <a:bodyPr wrap="square" rtlCol="0">
+              <a:spAutoFit/>
+            </a:bodyPr>
+            <a:lstStyle/>
+            <a:p>
+              <a:r>
+                <a:rPr lang="en-US" dirty="0"/>
+                <a:t>yes</a:t>
+              </a:r>
+            </a:p>
+          </p:txBody>
+        </p:sp>
+      </p:grpSp>
+      <p:grpSp>
+        <p:nvGrpSpPr>
+          <p:cNvPr id="53" name="Group 52">
+            <a:extLst>
+              <a:ext uri="{FF2B5EF4-FFF2-40B4-BE49-F238E27FC236}">
+                <a16:creationId xmlns:a16="http://schemas.microsoft.com/office/drawing/2014/main" id="{01809105-22C8-48F9-A789-6D1248944BF2}"/>
+              </a:ext>
+            </a:extLst>
+          </p:cNvPr>
+          <p:cNvGrpSpPr/>
+          <p:nvPr/>
+        </p:nvGrpSpPr>
+        <p:grpSpPr>
+          <a:xfrm>
+            <a:off x="6217430" y="962024"/>
+            <a:ext cx="4969001" cy="4526473"/>
+            <a:chOff x="3249851" y="676275"/>
+            <a:chExt cx="4969001" cy="4526473"/>
+          </a:xfrm>
+        </p:grpSpPr>
+        <p:grpSp>
+          <p:nvGrpSpPr>
+            <p:cNvPr id="54" name="Group 53">
+              <a:extLst>
+                <a:ext uri="{FF2B5EF4-FFF2-40B4-BE49-F238E27FC236}">
+                  <a16:creationId xmlns:a16="http://schemas.microsoft.com/office/drawing/2014/main" id="{6F9700F0-6ABA-4469-AAB0-EA9C492C0194}"/>
+                </a:ext>
+              </a:extLst>
+            </p:cNvPr>
+            <p:cNvGrpSpPr/>
+            <p:nvPr/>
+          </p:nvGrpSpPr>
+          <p:grpSpPr>
+            <a:xfrm>
+              <a:off x="4158003" y="676275"/>
+              <a:ext cx="4060849" cy="2638426"/>
+              <a:chOff x="114300" y="900113"/>
+              <a:chExt cx="3976685" cy="2271711"/>
+            </a:xfrm>
+          </p:grpSpPr>
+          <p:sp>
+            <p:nvSpPr>
+              <p:cNvPr id="61" name="Rectangle 60">
+                <a:extLst>
+                  <a:ext uri="{FF2B5EF4-FFF2-40B4-BE49-F238E27FC236}">
+                    <a16:creationId xmlns:a16="http://schemas.microsoft.com/office/drawing/2014/main" id="{87D1112B-3C21-405F-B282-6B1C21555C42}"/>
+                  </a:ext>
+                </a:extLst>
+              </p:cNvPr>
+              <p:cNvSpPr/>
+              <p:nvPr/>
+            </p:nvSpPr>
+            <p:spPr>
+              <a:xfrm>
+                <a:off x="957262" y="900113"/>
+                <a:ext cx="2290761" cy="733425"/>
+              </a:xfrm>
+              <a:prstGeom prst="rect">
+                <a:avLst/>
+              </a:prstGeom>
+              <a:solidFill>
+                <a:srgbClr val="006082"/>
+              </a:solidFill>
+            </p:spPr>
+            <p:style>
+              <a:lnRef idx="2">
+                <a:schemeClr val="accent1">
+                  <a:shade val="50000"/>
+                </a:schemeClr>
+              </a:lnRef>
+              <a:fillRef idx="1">
+                <a:schemeClr val="accent1"/>
+              </a:fillRef>
+              <a:effectRef idx="0">
+                <a:schemeClr val="accent1"/>
+              </a:effectRef>
+              <a:fontRef idx="minor">
+                <a:schemeClr val="lt1"/>
+              </a:fontRef>
+            </p:style>
+            <p:txBody>
+              <a:bodyPr rtlCol="0" anchor="ctr"/>
+              <a:lstStyle/>
+              <a:p>
+                <a:pPr algn="ctr"/>
+                <a:r>
+                  <a:rPr lang="en-US" dirty="0"/>
+                  <a:t>Good blood circulation</a:t>
+                </a:r>
+              </a:p>
+              <a:p>
+                <a:pPr algn="ctr"/>
+                <a:r>
+                  <a:rPr lang="en-US" sz="1600" i="1" dirty="0"/>
+                  <a:t>(</a:t>
+                </a:r>
+                <a:r>
+                  <a:rPr lang="en-US" sz="1600" i="1" dirty="0" err="1"/>
+                  <a:t>gini</a:t>
+                </a:r>
+                <a:r>
+                  <a:rPr lang="en-US" sz="1600" i="1" dirty="0"/>
+                  <a:t>=0.34)</a:t>
+                </a:r>
+                <a:endParaRPr lang="en-US" i="1" dirty="0"/>
+              </a:p>
+            </p:txBody>
+          </p:sp>
+          <p:sp>
+            <p:nvSpPr>
+              <p:cNvPr id="62" name="Rectangle 61">
+                <a:extLst>
+                  <a:ext uri="{FF2B5EF4-FFF2-40B4-BE49-F238E27FC236}">
+                    <a16:creationId xmlns:a16="http://schemas.microsoft.com/office/drawing/2014/main" id="{20B719A5-DCD8-4FD4-899F-A0588A447000}"/>
+                  </a:ext>
+                </a:extLst>
+              </p:cNvPr>
+              <p:cNvSpPr/>
+              <p:nvPr/>
+            </p:nvSpPr>
+            <p:spPr>
+              <a:xfrm>
+                <a:off x="114300" y="2371726"/>
+                <a:ext cx="1685924" cy="800098"/>
+              </a:xfrm>
+              <a:prstGeom prst="rect">
+                <a:avLst/>
+              </a:prstGeom>
+              <a:solidFill>
+                <a:srgbClr val="006082"/>
+              </a:solidFill>
+            </p:spPr>
+            <p:style>
+              <a:lnRef idx="2">
+                <a:schemeClr val="accent1">
+                  <a:shade val="50000"/>
+                </a:schemeClr>
+              </a:lnRef>
+              <a:fillRef idx="1">
+                <a:schemeClr val="accent1"/>
+              </a:fillRef>
+              <a:effectRef idx="0">
+                <a:schemeClr val="accent1"/>
+              </a:effectRef>
+              <a:fontRef idx="minor">
+                <a:schemeClr val="lt1"/>
+              </a:fontRef>
+            </p:style>
+            <p:txBody>
+              <a:bodyPr rtlCol="0" anchor="ctr"/>
+              <a:lstStyle/>
+              <a:p>
+                <a:pPr algn="ctr"/>
+                <a:r>
+                  <a:rPr lang="en-US" dirty="0"/>
+                  <a:t>Blocked </a:t>
+                </a:r>
+                <a:r>
+                  <a:rPr lang="en-US" dirty="0" err="1"/>
+                  <a:t>ateries</a:t>
+                </a:r>
+                <a:r>
+                  <a:rPr lang="en-US" dirty="0"/>
+                  <a:t> </a:t>
+                </a:r>
+                <a:r>
+                  <a:rPr lang="en-US" sz="1600" i="1" dirty="0"/>
+                  <a:t>(</a:t>
+                </a:r>
+                <a:r>
+                  <a:rPr lang="en-US" sz="1600" i="1" dirty="0" err="1"/>
+                  <a:t>gini</a:t>
+                </a:r>
+                <a:r>
+                  <a:rPr lang="en-US" sz="1600" i="1" dirty="0"/>
+                  <a:t>=0.14)</a:t>
+                </a:r>
+                <a:endParaRPr lang="en-US" i="1" dirty="0"/>
+              </a:p>
+            </p:txBody>
+          </p:sp>
+          <p:cxnSp>
+            <p:nvCxnSpPr>
+              <p:cNvPr id="63" name="Straight Arrow Connector 62">
+                <a:extLst>
+                  <a:ext uri="{FF2B5EF4-FFF2-40B4-BE49-F238E27FC236}">
+                    <a16:creationId xmlns:a16="http://schemas.microsoft.com/office/drawing/2014/main" id="{1A95A492-4CDE-4142-9FD8-CA1EDDBEA06F}"/>
+                  </a:ext>
+                </a:extLst>
+              </p:cNvPr>
+              <p:cNvCxnSpPr>
+                <a:cxnSpLocks/>
+                <a:stCxn id="61" idx="2"/>
+                <a:endCxn id="62" idx="0"/>
+              </p:cNvCxnSpPr>
+              <p:nvPr/>
+            </p:nvCxnSpPr>
+            <p:spPr>
+              <a:xfrm flipH="1">
+                <a:off x="957262" y="1633538"/>
+                <a:ext cx="1145381" cy="738189"/>
+              </a:xfrm>
+              <a:prstGeom prst="straightConnector1">
+                <a:avLst/>
+              </a:prstGeom>
+              <a:ln w="19050">
+                <a:solidFill>
+                  <a:srgbClr val="1C4357"/>
+                </a:solidFill>
+                <a:tailEnd type="triangle"/>
+              </a:ln>
+            </p:spPr>
+            <p:style>
+              <a:lnRef idx="1">
+                <a:schemeClr val="accent1"/>
+              </a:lnRef>
+              <a:fillRef idx="0">
+                <a:schemeClr val="accent1"/>
+              </a:fillRef>
+              <a:effectRef idx="0">
+                <a:schemeClr val="accent1"/>
+              </a:effectRef>
+              <a:fontRef idx="minor">
+                <a:schemeClr val="tx1"/>
+              </a:fontRef>
+            </p:style>
+          </p:cxnSp>
+          <p:cxnSp>
+            <p:nvCxnSpPr>
+              <p:cNvPr id="64" name="Straight Arrow Connector 63">
+                <a:extLst>
+                  <a:ext uri="{FF2B5EF4-FFF2-40B4-BE49-F238E27FC236}">
+                    <a16:creationId xmlns:a16="http://schemas.microsoft.com/office/drawing/2014/main" id="{A64D00F7-4CE2-4522-80C4-8BBE80CC9588}"/>
+                  </a:ext>
+                </a:extLst>
+              </p:cNvPr>
+              <p:cNvCxnSpPr>
+                <a:cxnSpLocks/>
+                <a:stCxn id="61" idx="2"/>
+                <a:endCxn id="65" idx="0"/>
+              </p:cNvCxnSpPr>
+              <p:nvPr/>
+            </p:nvCxnSpPr>
+            <p:spPr>
+              <a:xfrm>
+                <a:off x="2102643" y="1633538"/>
+                <a:ext cx="1145380" cy="738188"/>
+              </a:xfrm>
+              <a:prstGeom prst="straightConnector1">
+                <a:avLst/>
+              </a:prstGeom>
+              <a:ln w="19050">
+                <a:solidFill>
+                  <a:srgbClr val="1C4357"/>
+                </a:solidFill>
+                <a:tailEnd type="triangle"/>
+              </a:ln>
+            </p:spPr>
+            <p:style>
+              <a:lnRef idx="1">
+                <a:schemeClr val="accent1"/>
+              </a:lnRef>
+              <a:fillRef idx="0">
+                <a:schemeClr val="accent1"/>
+              </a:fillRef>
+              <a:effectRef idx="0">
+                <a:schemeClr val="accent1"/>
+              </a:effectRef>
+              <a:fontRef idx="minor">
+                <a:schemeClr val="tx1"/>
+              </a:fontRef>
+            </p:style>
+          </p:cxnSp>
+          <p:sp>
+            <p:nvSpPr>
+              <p:cNvPr id="65" name="Rectangle 64">
+                <a:extLst>
+                  <a:ext uri="{FF2B5EF4-FFF2-40B4-BE49-F238E27FC236}">
+                    <a16:creationId xmlns:a16="http://schemas.microsoft.com/office/drawing/2014/main" id="{A0070797-6EB5-4A36-9D6F-0BE84B607919}"/>
+                  </a:ext>
+                </a:extLst>
+              </p:cNvPr>
+              <p:cNvSpPr/>
+              <p:nvPr/>
+            </p:nvSpPr>
+            <p:spPr>
+              <a:xfrm>
+                <a:off x="2405060" y="2371725"/>
+                <a:ext cx="1685925" cy="800099"/>
+              </a:xfrm>
+              <a:prstGeom prst="rect">
+                <a:avLst/>
+              </a:prstGeom>
+              <a:solidFill>
+                <a:srgbClr val="006082"/>
+              </a:solidFill>
+            </p:spPr>
+            <p:style>
+              <a:lnRef idx="2">
+                <a:schemeClr val="accent1">
+                  <a:shade val="50000"/>
+                </a:schemeClr>
+              </a:lnRef>
+              <a:fillRef idx="1">
+                <a:schemeClr val="accent1"/>
+              </a:fillRef>
+              <a:effectRef idx="0">
+                <a:schemeClr val="accent1"/>
+              </a:effectRef>
+              <a:fontRef idx="minor">
+                <a:schemeClr val="lt1"/>
+              </a:fontRef>
+            </p:style>
+            <p:txBody>
+              <a:bodyPr rtlCol="0" anchor="ctr"/>
+              <a:lstStyle/>
+              <a:p>
+                <a:pPr algn="ctr"/>
+                <a:r>
+                  <a:rPr lang="en-US" dirty="0"/>
+                  <a:t>6/13</a:t>
+                </a:r>
+              </a:p>
+            </p:txBody>
+          </p:sp>
+          <p:sp>
+            <p:nvSpPr>
+              <p:cNvPr id="66" name="TextBox 65">
+                <a:extLst>
+                  <a:ext uri="{FF2B5EF4-FFF2-40B4-BE49-F238E27FC236}">
+                    <a16:creationId xmlns:a16="http://schemas.microsoft.com/office/drawing/2014/main" id="{B10B2A23-F6C9-4BC2-836C-96902D781A55}"/>
+                  </a:ext>
+                </a:extLst>
+              </p:cNvPr>
+              <p:cNvSpPr txBox="1"/>
+              <p:nvPr/>
+            </p:nvSpPr>
+            <p:spPr>
+              <a:xfrm>
+                <a:off x="2666999" y="1790700"/>
+                <a:ext cx="581024" cy="369332"/>
+              </a:xfrm>
+              <a:prstGeom prst="rect">
+                <a:avLst/>
+              </a:prstGeom>
+              <a:noFill/>
+            </p:spPr>
+            <p:txBody>
+              <a:bodyPr wrap="square" rtlCol="0">
+                <a:spAutoFit/>
+              </a:bodyPr>
+              <a:lstStyle/>
+              <a:p>
+                <a:r>
+                  <a:rPr lang="en-US" dirty="0"/>
+                  <a:t>yes</a:t>
+                </a:r>
+              </a:p>
+            </p:txBody>
+          </p:sp>
+          <p:sp>
+            <p:nvSpPr>
+              <p:cNvPr id="67" name="TextBox 66">
+                <a:extLst>
+                  <a:ext uri="{FF2B5EF4-FFF2-40B4-BE49-F238E27FC236}">
+                    <a16:creationId xmlns:a16="http://schemas.microsoft.com/office/drawing/2014/main" id="{E9BA9E9F-CD6A-4DFE-85BD-051B88D8D63B}"/>
+                  </a:ext>
+                </a:extLst>
+              </p:cNvPr>
+              <p:cNvSpPr txBox="1"/>
+              <p:nvPr/>
+            </p:nvSpPr>
+            <p:spPr>
+              <a:xfrm>
+                <a:off x="957262" y="1790700"/>
+                <a:ext cx="581024" cy="369332"/>
+              </a:xfrm>
+              <a:prstGeom prst="rect">
+                <a:avLst/>
+              </a:prstGeom>
+              <a:noFill/>
+            </p:spPr>
+            <p:txBody>
+              <a:bodyPr wrap="square" rtlCol="0">
+                <a:spAutoFit/>
+              </a:bodyPr>
+              <a:lstStyle/>
+              <a:p>
+                <a:r>
+                  <a:rPr lang="en-US" dirty="0"/>
+                  <a:t>no</a:t>
+                </a:r>
+              </a:p>
+            </p:txBody>
+          </p:sp>
+        </p:grpSp>
+        <p:sp>
+          <p:nvSpPr>
+            <p:cNvPr id="55" name="Rectangle 54">
+              <a:extLst>
+                <a:ext uri="{FF2B5EF4-FFF2-40B4-BE49-F238E27FC236}">
+                  <a16:creationId xmlns:a16="http://schemas.microsoft.com/office/drawing/2014/main" id="{57146419-6338-41FB-901C-1FEB508BA075}"/>
+                </a:ext>
+              </a:extLst>
+            </p:cNvPr>
+            <p:cNvSpPr/>
+            <p:nvPr/>
+          </p:nvSpPr>
+          <p:spPr>
+            <a:xfrm>
+              <a:off x="3249851" y="4273492"/>
+              <a:ext cx="1634306" cy="929255"/>
+            </a:xfrm>
+            <a:prstGeom prst="rect">
+              <a:avLst/>
+            </a:prstGeom>
+            <a:solidFill>
+              <a:srgbClr val="006082"/>
+            </a:solidFill>
+          </p:spPr>
+          <p:style>
+            <a:lnRef idx="2">
+              <a:schemeClr val="accent1">
+                <a:shade val="50000"/>
+              </a:schemeClr>
+            </a:lnRef>
+            <a:fillRef idx="1">
+              <a:schemeClr val="accent1"/>
+            </a:fillRef>
+            <a:effectRef idx="0">
+              <a:schemeClr val="accent1"/>
+            </a:effectRef>
+            <a:fontRef idx="minor">
+              <a:schemeClr val="lt1"/>
+            </a:fontRef>
+          </p:style>
+          <p:txBody>
+            <a:bodyPr rtlCol="0" anchor="ctr"/>
+            <a:lstStyle/>
+            <a:p>
+              <a:pPr algn="ctr"/>
+              <a:r>
+                <a:rPr lang="en-US" dirty="0"/>
+                <a:t>Heart disease</a:t>
+              </a:r>
+            </a:p>
+            <a:p>
+              <a:pPr algn="ctr"/>
+              <a:r>
+                <a:rPr lang="en-US" dirty="0"/>
+                <a:t>Yes = 1</a:t>
+              </a:r>
+            </a:p>
+            <a:p>
+              <a:pPr algn="ctr"/>
+              <a:r>
+                <a:rPr lang="en-US" dirty="0"/>
+                <a:t>No = 1</a:t>
+              </a:r>
+            </a:p>
+          </p:txBody>
+        </p:sp>
+        <p:sp>
+          <p:nvSpPr>
+            <p:cNvPr id="56" name="Rectangle 55">
+              <a:extLst>
+                <a:ext uri="{FF2B5EF4-FFF2-40B4-BE49-F238E27FC236}">
+                  <a16:creationId xmlns:a16="http://schemas.microsoft.com/office/drawing/2014/main" id="{88064121-85E0-40FA-AEBD-C82E1A83A55F}"/>
+                </a:ext>
+              </a:extLst>
+            </p:cNvPr>
+            <p:cNvSpPr/>
+            <p:nvPr/>
+          </p:nvSpPr>
+          <p:spPr>
+            <a:xfrm>
+              <a:off x="5130422" y="4273493"/>
+              <a:ext cx="1634306" cy="929255"/>
+            </a:xfrm>
+            <a:prstGeom prst="rect">
+              <a:avLst/>
+            </a:prstGeom>
+            <a:solidFill>
+              <a:srgbClr val="006082"/>
+            </a:solidFill>
+          </p:spPr>
+          <p:style>
+            <a:lnRef idx="2">
+              <a:schemeClr val="accent1">
+                <a:shade val="50000"/>
+              </a:schemeClr>
+            </a:lnRef>
+            <a:fillRef idx="1">
+              <a:schemeClr val="accent1"/>
+            </a:fillRef>
+            <a:effectRef idx="0">
+              <a:schemeClr val="accent1"/>
+            </a:effectRef>
+            <a:fontRef idx="minor">
+              <a:schemeClr val="lt1"/>
+            </a:fontRef>
+          </p:style>
+          <p:txBody>
+            <a:bodyPr rtlCol="0" anchor="ctr"/>
+            <a:lstStyle/>
+            <a:p>
+              <a:pPr algn="ctr"/>
+              <a:r>
+                <a:rPr lang="en-US" dirty="0"/>
+                <a:t>Heart disease</a:t>
+              </a:r>
+            </a:p>
+            <a:p>
+              <a:pPr algn="ctr"/>
+              <a:r>
+                <a:rPr lang="en-US" dirty="0"/>
+                <a:t>Yes = 5</a:t>
+              </a:r>
+            </a:p>
+            <a:p>
+              <a:pPr algn="ctr"/>
+              <a:r>
+                <a:rPr lang="en-US" dirty="0"/>
+                <a:t>No = 0</a:t>
+              </a:r>
+            </a:p>
+          </p:txBody>
+        </p:sp>
+        <p:cxnSp>
+          <p:nvCxnSpPr>
+            <p:cNvPr id="57" name="Straight Arrow Connector 56">
+              <a:extLst>
+                <a:ext uri="{FF2B5EF4-FFF2-40B4-BE49-F238E27FC236}">
+                  <a16:creationId xmlns:a16="http://schemas.microsoft.com/office/drawing/2014/main" id="{4DAB5F1F-6138-4249-A44F-DA299EA080F3}"/>
+                </a:ext>
+              </a:extLst>
+            </p:cNvPr>
+            <p:cNvCxnSpPr>
+              <a:cxnSpLocks/>
+              <a:stCxn id="62" idx="2"/>
+              <a:endCxn id="55" idx="0"/>
+            </p:cNvCxnSpPr>
+            <p:nvPr/>
+          </p:nvCxnSpPr>
+          <p:spPr>
+            <a:xfrm flipH="1">
+              <a:off x="4067004" y="3314701"/>
+              <a:ext cx="951802" cy="958791"/>
+            </a:xfrm>
+            <a:prstGeom prst="straightConnector1">
+              <a:avLst/>
+            </a:prstGeom>
+            <a:ln w="19050">
+              <a:solidFill>
+                <a:srgbClr val="1C4357"/>
+              </a:solidFill>
+              <a:tailEnd type="triangle"/>
+            </a:ln>
+          </p:spPr>
+          <p:style>
+            <a:lnRef idx="1">
+              <a:schemeClr val="accent1"/>
+            </a:lnRef>
+            <a:fillRef idx="0">
+              <a:schemeClr val="accent1"/>
+            </a:fillRef>
+            <a:effectRef idx="0">
+              <a:schemeClr val="accent1"/>
+            </a:effectRef>
+            <a:fontRef idx="minor">
+              <a:schemeClr val="tx1"/>
+            </a:fontRef>
+          </p:style>
+        </p:cxnSp>
+        <p:cxnSp>
+          <p:nvCxnSpPr>
+            <p:cNvPr id="58" name="Straight Arrow Connector 57">
+              <a:extLst>
+                <a:ext uri="{FF2B5EF4-FFF2-40B4-BE49-F238E27FC236}">
+                  <a16:creationId xmlns:a16="http://schemas.microsoft.com/office/drawing/2014/main" id="{7861F57C-800F-41F0-BC8D-718914CEA910}"/>
+                </a:ext>
+              </a:extLst>
+            </p:cNvPr>
+            <p:cNvCxnSpPr>
+              <a:cxnSpLocks/>
+              <a:stCxn id="62" idx="2"/>
+              <a:endCxn id="56" idx="0"/>
+            </p:cNvCxnSpPr>
+            <p:nvPr/>
+          </p:nvCxnSpPr>
+          <p:spPr>
+            <a:xfrm>
+              <a:off x="5018806" y="3314701"/>
+              <a:ext cx="928769" cy="958792"/>
+            </a:xfrm>
+            <a:prstGeom prst="straightConnector1">
+              <a:avLst/>
+            </a:prstGeom>
+            <a:ln w="19050">
+              <a:solidFill>
+                <a:srgbClr val="1C4357"/>
+              </a:solidFill>
+              <a:tailEnd type="triangle"/>
+            </a:ln>
+          </p:spPr>
+          <p:style>
+            <a:lnRef idx="1">
+              <a:schemeClr val="accent1"/>
+            </a:lnRef>
+            <a:fillRef idx="0">
+              <a:schemeClr val="accent1"/>
+            </a:fillRef>
+            <a:effectRef idx="0">
+              <a:schemeClr val="accent1"/>
+            </a:effectRef>
+            <a:fontRef idx="minor">
+              <a:schemeClr val="tx1"/>
+            </a:fontRef>
+          </p:style>
+        </p:cxnSp>
+        <p:sp>
+          <p:nvSpPr>
+            <p:cNvPr id="59" name="TextBox 58">
+              <a:extLst>
+                <a:ext uri="{FF2B5EF4-FFF2-40B4-BE49-F238E27FC236}">
+                  <a16:creationId xmlns:a16="http://schemas.microsoft.com/office/drawing/2014/main" id="{2022B632-150B-42EA-95B7-696C859E704A}"/>
+                </a:ext>
+              </a:extLst>
+            </p:cNvPr>
+            <p:cNvSpPr txBox="1"/>
+            <p:nvPr/>
+          </p:nvSpPr>
+          <p:spPr>
+            <a:xfrm>
+              <a:off x="4067004" y="3543300"/>
+              <a:ext cx="593321" cy="428952"/>
+            </a:xfrm>
+            <a:prstGeom prst="rect">
+              <a:avLst/>
+            </a:prstGeom>
+            <a:noFill/>
+          </p:spPr>
+          <p:txBody>
+            <a:bodyPr wrap="square" rtlCol="0">
+              <a:spAutoFit/>
+            </a:bodyPr>
+            <a:lstStyle/>
+            <a:p>
+              <a:r>
+                <a:rPr lang="en-US" dirty="0"/>
+                <a:t>no</a:t>
+              </a:r>
+            </a:p>
+          </p:txBody>
+        </p:sp>
+        <p:sp>
+          <p:nvSpPr>
+            <p:cNvPr id="60" name="TextBox 59">
+              <a:extLst>
+                <a:ext uri="{FF2B5EF4-FFF2-40B4-BE49-F238E27FC236}">
+                  <a16:creationId xmlns:a16="http://schemas.microsoft.com/office/drawing/2014/main" id="{24EBFB45-C2C1-4945-887D-B648A2FB095D}"/>
+                </a:ext>
+              </a:extLst>
+            </p:cNvPr>
+            <p:cNvSpPr txBox="1"/>
+            <p:nvPr/>
+          </p:nvSpPr>
+          <p:spPr>
+            <a:xfrm>
+              <a:off x="5539298" y="3543300"/>
+              <a:ext cx="593321" cy="428952"/>
+            </a:xfrm>
+            <a:prstGeom prst="rect">
+              <a:avLst/>
+            </a:prstGeom>
+            <a:noFill/>
+          </p:spPr>
+          <p:txBody>
+            <a:bodyPr wrap="square" rtlCol="0">
+              <a:spAutoFit/>
+            </a:bodyPr>
+            <a:lstStyle/>
+            <a:p>
+              <a:r>
+                <a:rPr lang="en-US" dirty="0"/>
+                <a:t>yes</a:t>
+              </a:r>
+            </a:p>
+          </p:txBody>
+        </p:sp>
+      </p:grpSp>
+    </p:spTree>
+    <p:extLst>
+      <p:ext uri="{BB962C8B-B14F-4D97-AF65-F5344CB8AC3E}">
+        <p14:creationId xmlns:p14="http://schemas.microsoft.com/office/powerpoint/2010/main" val="1023829482"/>
+      </p:ext>
+    </p:extLst>
+  </p:cSld>
+  <p:clrMapOvr>
+    <a:masterClrMapping/>
+  </p:clrMapOvr>
+</p:sld>
+</file>
+
+<file path=ppt/slides/slide12.xml><?xml version="1.0" encoding="utf-8"?>
+<p:sld xmlns:a="http://schemas.openxmlformats.org/drawingml/2006/main" xmlns:r="http://schemas.openxmlformats.org/officeDocument/2006/relationships" xmlns:p="http://schemas.openxmlformats.org/presentationml/2006/main">
+  <p:cSld>
+    <p:spTree>
+      <p:nvGrpSpPr>
+        <p:cNvPr id="1" name=""/>
+        <p:cNvGrpSpPr/>
+        <p:nvPr/>
+      </p:nvGrpSpPr>
+      <p:grpSpPr>
+        <a:xfrm>
+          <a:off x="0" y="0"/>
+          <a:ext cx="0" cy="0"/>
+          <a:chOff x="0" y="0"/>
+          <a:chExt cx="0" cy="0"/>
+        </a:xfrm>
+      </p:grpSpPr>
+      <p:grpSp>
+        <p:nvGrpSpPr>
+          <p:cNvPr id="85" name="Group 84">
+            <a:extLst>
+              <a:ext uri="{FF2B5EF4-FFF2-40B4-BE49-F238E27FC236}">
+                <a16:creationId xmlns:a16="http://schemas.microsoft.com/office/drawing/2014/main" id="{87F7D254-7CA6-43DF-B451-81EE64DD56A3}"/>
+              </a:ext>
+            </a:extLst>
+          </p:cNvPr>
+          <p:cNvGrpSpPr/>
+          <p:nvPr/>
+        </p:nvGrpSpPr>
+        <p:grpSpPr>
+          <a:xfrm>
+            <a:off x="1710161" y="857249"/>
+            <a:ext cx="8538855" cy="4532762"/>
+            <a:chOff x="1710161" y="857249"/>
+            <a:chExt cx="8538855" cy="4532762"/>
+          </a:xfrm>
+        </p:grpSpPr>
+        <p:grpSp>
+          <p:nvGrpSpPr>
+            <p:cNvPr id="41" name="Group 40">
+              <a:extLst>
+                <a:ext uri="{FF2B5EF4-FFF2-40B4-BE49-F238E27FC236}">
+                  <a16:creationId xmlns:a16="http://schemas.microsoft.com/office/drawing/2014/main" id="{5581F11E-5BB7-4C00-B2A5-BEF22FACDBD1}"/>
+                </a:ext>
+              </a:extLst>
+            </p:cNvPr>
+            <p:cNvGrpSpPr/>
+            <p:nvPr/>
+          </p:nvGrpSpPr>
+          <p:grpSpPr>
+            <a:xfrm>
+              <a:off x="1710161" y="857249"/>
+              <a:ext cx="7420286" cy="4526473"/>
+              <a:chOff x="2009657" y="676275"/>
+              <a:chExt cx="7420286" cy="4526473"/>
+            </a:xfrm>
+          </p:grpSpPr>
+          <p:grpSp>
+            <p:nvGrpSpPr>
+              <p:cNvPr id="42" name="Group 41">
+                <a:extLst>
+                  <a:ext uri="{FF2B5EF4-FFF2-40B4-BE49-F238E27FC236}">
+                    <a16:creationId xmlns:a16="http://schemas.microsoft.com/office/drawing/2014/main" id="{9C59DC1F-295C-4544-9743-79C8A8EE9452}"/>
+                  </a:ext>
+                </a:extLst>
+              </p:cNvPr>
+              <p:cNvGrpSpPr/>
+              <p:nvPr/>
+            </p:nvGrpSpPr>
+            <p:grpSpPr>
+              <a:xfrm>
+                <a:off x="3035625" y="676275"/>
+                <a:ext cx="6394318" cy="2638426"/>
+                <a:chOff x="-984816" y="900113"/>
+                <a:chExt cx="6261792" cy="2271711"/>
+              </a:xfrm>
+            </p:grpSpPr>
+            <p:sp>
+              <p:nvSpPr>
+                <p:cNvPr id="70" name="Rectangle 69">
+                  <a:extLst>
+                    <a:ext uri="{FF2B5EF4-FFF2-40B4-BE49-F238E27FC236}">
+                      <a16:creationId xmlns:a16="http://schemas.microsoft.com/office/drawing/2014/main" id="{FDEFFA96-E928-4064-B6A7-0849A0B90DBD}"/>
+                    </a:ext>
+                  </a:extLst>
+                </p:cNvPr>
+                <p:cNvSpPr/>
+                <p:nvPr/>
+              </p:nvSpPr>
+              <p:spPr>
+                <a:xfrm>
+                  <a:off x="957262" y="900113"/>
+                  <a:ext cx="2290761" cy="733425"/>
+                </a:xfrm>
+                <a:prstGeom prst="rect">
+                  <a:avLst/>
+                </a:prstGeom>
+                <a:solidFill>
+                  <a:srgbClr val="006082"/>
+                </a:solidFill>
+              </p:spPr>
+              <p:style>
+                <a:lnRef idx="2">
+                  <a:schemeClr val="accent1">
+                    <a:shade val="50000"/>
+                  </a:schemeClr>
+                </a:lnRef>
+                <a:fillRef idx="1">
+                  <a:schemeClr val="accent1"/>
+                </a:fillRef>
+                <a:effectRef idx="0">
+                  <a:schemeClr val="accent1"/>
+                </a:effectRef>
+                <a:fontRef idx="minor">
+                  <a:schemeClr val="lt1"/>
+                </a:fontRef>
+              </p:style>
+              <p:txBody>
+                <a:bodyPr rtlCol="0" anchor="ctr"/>
+                <a:lstStyle/>
+                <a:p>
+                  <a:pPr algn="ctr"/>
+                  <a:r>
+                    <a:rPr lang="en-US" dirty="0"/>
+                    <a:t>Good blood circulation</a:t>
+                  </a:r>
+                </a:p>
+                <a:p>
+                  <a:pPr algn="ctr"/>
+                  <a:r>
+                    <a:rPr lang="en-US" sz="1600" i="1" dirty="0"/>
+                    <a:t>(</a:t>
+                  </a:r>
+                  <a:r>
+                    <a:rPr lang="en-US" sz="1600" i="1" dirty="0" err="1"/>
+                    <a:t>gini</a:t>
+                  </a:r>
+                  <a:r>
+                    <a:rPr lang="en-US" sz="1600" i="1" dirty="0"/>
+                    <a:t>=0.34)</a:t>
+                  </a:r>
+                  <a:endParaRPr lang="en-US" i="1" dirty="0"/>
+                </a:p>
+              </p:txBody>
+            </p:sp>
+            <p:sp>
+              <p:nvSpPr>
+                <p:cNvPr id="71" name="Rectangle 70">
+                  <a:extLst>
+                    <a:ext uri="{FF2B5EF4-FFF2-40B4-BE49-F238E27FC236}">
+                      <a16:creationId xmlns:a16="http://schemas.microsoft.com/office/drawing/2014/main" id="{FF9EB7B1-CD2D-4D38-B72B-A921DA9180CE}"/>
+                    </a:ext>
+                  </a:extLst>
+                </p:cNvPr>
+                <p:cNvSpPr/>
+                <p:nvPr/>
+              </p:nvSpPr>
+              <p:spPr>
+                <a:xfrm>
+                  <a:off x="-984816" y="2371726"/>
+                  <a:ext cx="1685924" cy="800098"/>
+                </a:xfrm>
+                <a:prstGeom prst="rect">
+                  <a:avLst/>
+                </a:prstGeom>
+                <a:solidFill>
+                  <a:srgbClr val="006082"/>
+                </a:solidFill>
+              </p:spPr>
+              <p:style>
+                <a:lnRef idx="2">
+                  <a:schemeClr val="accent1">
+                    <a:shade val="50000"/>
+                  </a:schemeClr>
+                </a:lnRef>
+                <a:fillRef idx="1">
+                  <a:schemeClr val="accent1"/>
+                </a:fillRef>
+                <a:effectRef idx="0">
+                  <a:schemeClr val="accent1"/>
+                </a:effectRef>
+                <a:fontRef idx="minor">
+                  <a:schemeClr val="lt1"/>
+                </a:fontRef>
+              </p:style>
+              <p:txBody>
+                <a:bodyPr rtlCol="0" anchor="ctr"/>
+                <a:lstStyle/>
+                <a:p>
+                  <a:pPr algn="ctr"/>
+                  <a:r>
+                    <a:rPr lang="en-US" dirty="0"/>
+                    <a:t>Blocked </a:t>
+                  </a:r>
+                  <a:r>
+                    <a:rPr lang="en-US" dirty="0" err="1"/>
+                    <a:t>ateries</a:t>
+                  </a:r>
+                  <a:r>
+                    <a:rPr lang="en-US" dirty="0"/>
+                    <a:t> </a:t>
+                  </a:r>
+                  <a:r>
+                    <a:rPr lang="en-US" sz="1600" i="1" dirty="0"/>
+                    <a:t>(</a:t>
+                  </a:r>
+                  <a:r>
+                    <a:rPr lang="en-US" sz="1600" i="1" dirty="0" err="1"/>
+                    <a:t>gini</a:t>
+                  </a:r>
+                  <a:r>
+                    <a:rPr lang="en-US" sz="1600" i="1" dirty="0"/>
+                    <a:t>=0.14)</a:t>
+                  </a:r>
+                  <a:endParaRPr lang="en-US" i="1" dirty="0"/>
+                </a:p>
+              </p:txBody>
+            </p:sp>
+            <p:cxnSp>
+              <p:nvCxnSpPr>
+                <p:cNvPr id="72" name="Straight Arrow Connector 71">
+                  <a:extLst>
+                    <a:ext uri="{FF2B5EF4-FFF2-40B4-BE49-F238E27FC236}">
+                      <a16:creationId xmlns:a16="http://schemas.microsoft.com/office/drawing/2014/main" id="{62E3CE22-DBF9-4863-81F4-3FD51090DF6C}"/>
+                    </a:ext>
+                  </a:extLst>
+                </p:cNvPr>
+                <p:cNvCxnSpPr>
+                  <a:cxnSpLocks/>
+                  <a:stCxn id="70" idx="2"/>
+                  <a:endCxn id="71" idx="0"/>
+                </p:cNvCxnSpPr>
+                <p:nvPr/>
+              </p:nvCxnSpPr>
+              <p:spPr>
+                <a:xfrm flipH="1">
+                  <a:off x="-141854" y="1633538"/>
+                  <a:ext cx="2244497" cy="738189"/>
+                </a:xfrm>
+                <a:prstGeom prst="straightConnector1">
+                  <a:avLst/>
+                </a:prstGeom>
+                <a:ln w="19050">
+                  <a:solidFill>
+                    <a:srgbClr val="1C4357"/>
+                  </a:solidFill>
+                  <a:tailEnd type="triangle"/>
+                </a:ln>
+              </p:spPr>
+              <p:style>
+                <a:lnRef idx="1">
+                  <a:schemeClr val="accent1"/>
+                </a:lnRef>
+                <a:fillRef idx="0">
+                  <a:schemeClr val="accent1"/>
+                </a:fillRef>
+                <a:effectRef idx="0">
+                  <a:schemeClr val="accent1"/>
+                </a:effectRef>
+                <a:fontRef idx="minor">
+                  <a:schemeClr val="tx1"/>
+                </a:fontRef>
+              </p:style>
+            </p:cxnSp>
+            <p:cxnSp>
+              <p:nvCxnSpPr>
+                <p:cNvPr id="73" name="Straight Arrow Connector 72">
+                  <a:extLst>
+                    <a:ext uri="{FF2B5EF4-FFF2-40B4-BE49-F238E27FC236}">
+                      <a16:creationId xmlns:a16="http://schemas.microsoft.com/office/drawing/2014/main" id="{D5E5579F-625B-4329-BDB2-CBB67E229E40}"/>
+                    </a:ext>
+                  </a:extLst>
+                </p:cNvPr>
+                <p:cNvCxnSpPr>
+                  <a:cxnSpLocks/>
+                  <a:stCxn id="70" idx="2"/>
+                  <a:endCxn id="74" idx="0"/>
+                </p:cNvCxnSpPr>
+                <p:nvPr/>
+              </p:nvCxnSpPr>
+              <p:spPr>
+                <a:xfrm>
+                  <a:off x="2102643" y="1633538"/>
+                  <a:ext cx="2331370" cy="738188"/>
+                </a:xfrm>
+                <a:prstGeom prst="straightConnector1">
+                  <a:avLst/>
+                </a:prstGeom>
+                <a:ln w="19050">
+                  <a:solidFill>
+                    <a:srgbClr val="1C4357"/>
+                  </a:solidFill>
+                  <a:tailEnd type="triangle"/>
+                </a:ln>
+              </p:spPr>
+              <p:style>
+                <a:lnRef idx="1">
+                  <a:schemeClr val="accent1"/>
+                </a:lnRef>
+                <a:fillRef idx="0">
+                  <a:schemeClr val="accent1"/>
+                </a:fillRef>
+                <a:effectRef idx="0">
+                  <a:schemeClr val="accent1"/>
+                </a:effectRef>
+                <a:fontRef idx="minor">
+                  <a:schemeClr val="tx1"/>
+                </a:fontRef>
+              </p:style>
+            </p:cxnSp>
+            <p:sp>
+              <p:nvSpPr>
+                <p:cNvPr id="74" name="Rectangle 73">
+                  <a:extLst>
+                    <a:ext uri="{FF2B5EF4-FFF2-40B4-BE49-F238E27FC236}">
+                      <a16:creationId xmlns:a16="http://schemas.microsoft.com/office/drawing/2014/main" id="{60682155-D793-49FE-B7BC-DFFA5AAAC613}"/>
+                    </a:ext>
+                  </a:extLst>
+                </p:cNvPr>
+                <p:cNvSpPr/>
+                <p:nvPr/>
+              </p:nvSpPr>
+              <p:spPr>
+                <a:xfrm>
+                  <a:off x="3591051" y="2371725"/>
+                  <a:ext cx="1685925" cy="800099"/>
+                </a:xfrm>
+                <a:prstGeom prst="rect">
+                  <a:avLst/>
+                </a:prstGeom>
+                <a:solidFill>
+                  <a:srgbClr val="006082"/>
+                </a:solidFill>
+              </p:spPr>
+              <p:style>
+                <a:lnRef idx="2">
+                  <a:schemeClr val="accent1">
+                    <a:shade val="50000"/>
+                  </a:schemeClr>
+                </a:lnRef>
+                <a:fillRef idx="1">
+                  <a:schemeClr val="accent1"/>
+                </a:fillRef>
+                <a:effectRef idx="0">
+                  <a:schemeClr val="accent1"/>
+                </a:effectRef>
+                <a:fontRef idx="minor">
+                  <a:schemeClr val="lt1"/>
+                </a:fontRef>
+              </p:style>
+              <p:txBody>
+                <a:bodyPr rtlCol="0" anchor="ctr"/>
+                <a:lstStyle/>
+                <a:p>
+                  <a:pPr algn="ctr"/>
+                  <a:r>
+                    <a:rPr lang="en-US" dirty="0"/>
+                    <a:t>Blocked </a:t>
+                  </a:r>
+                  <a:r>
+                    <a:rPr lang="en-US" dirty="0" err="1"/>
+                    <a:t>ateries</a:t>
+                  </a:r>
+                  <a:r>
+                    <a:rPr lang="en-US" dirty="0"/>
+                    <a:t> </a:t>
+                  </a:r>
+                  <a:r>
+                    <a:rPr lang="en-US" sz="1600" i="1" dirty="0"/>
+                    <a:t>(</a:t>
+                  </a:r>
+                  <a:r>
+                    <a:rPr lang="en-US" sz="1600" i="1" dirty="0" err="1"/>
+                    <a:t>gini</a:t>
+                  </a:r>
+                  <a:r>
+                    <a:rPr lang="en-US" sz="1600" i="1" dirty="0"/>
+                    <a:t>=0.22)</a:t>
+                  </a:r>
+                  <a:endParaRPr lang="en-US" i="1" dirty="0"/>
+                </a:p>
+              </p:txBody>
+            </p:sp>
+            <p:sp>
+              <p:nvSpPr>
+                <p:cNvPr id="75" name="TextBox 74">
+                  <a:extLst>
+                    <a:ext uri="{FF2B5EF4-FFF2-40B4-BE49-F238E27FC236}">
+                      <a16:creationId xmlns:a16="http://schemas.microsoft.com/office/drawing/2014/main" id="{07B0AD3D-B340-43E3-AE41-41B1098A815D}"/>
+                    </a:ext>
+                  </a:extLst>
+                </p:cNvPr>
+                <p:cNvSpPr txBox="1"/>
+                <p:nvPr/>
+              </p:nvSpPr>
+              <p:spPr>
+                <a:xfrm>
+                  <a:off x="3323378" y="1744459"/>
+                  <a:ext cx="581024" cy="369332"/>
+                </a:xfrm>
+                <a:prstGeom prst="rect">
+                  <a:avLst/>
+                </a:prstGeom>
+                <a:noFill/>
+              </p:spPr>
+              <p:txBody>
+                <a:bodyPr wrap="square" rtlCol="0">
+                  <a:spAutoFit/>
+                </a:bodyPr>
+                <a:lstStyle/>
+                <a:p>
+                  <a:r>
+                    <a:rPr lang="en-US" dirty="0"/>
+                    <a:t>yes</a:t>
+                  </a:r>
+                </a:p>
+              </p:txBody>
+            </p:sp>
+            <p:sp>
+              <p:nvSpPr>
+                <p:cNvPr id="76" name="TextBox 75">
+                  <a:extLst>
+                    <a:ext uri="{FF2B5EF4-FFF2-40B4-BE49-F238E27FC236}">
+                      <a16:creationId xmlns:a16="http://schemas.microsoft.com/office/drawing/2014/main" id="{676E4D43-FE33-4524-B5D2-8FBB8EB3674A}"/>
+                    </a:ext>
+                  </a:extLst>
+                </p:cNvPr>
+                <p:cNvSpPr txBox="1"/>
+                <p:nvPr/>
+              </p:nvSpPr>
+              <p:spPr>
+                <a:xfrm>
+                  <a:off x="530340" y="1744459"/>
+                  <a:ext cx="581024" cy="369332"/>
+                </a:xfrm>
+                <a:prstGeom prst="rect">
+                  <a:avLst/>
+                </a:prstGeom>
+                <a:noFill/>
+              </p:spPr>
+              <p:txBody>
+                <a:bodyPr wrap="square" rtlCol="0">
+                  <a:spAutoFit/>
+                </a:bodyPr>
+                <a:lstStyle/>
+                <a:p>
+                  <a:r>
+                    <a:rPr lang="en-US" dirty="0"/>
+                    <a:t>no</a:t>
+                  </a:r>
+                </a:p>
+              </p:txBody>
+            </p:sp>
+          </p:grpSp>
+          <p:sp>
+            <p:nvSpPr>
+              <p:cNvPr id="43" name="Rectangle 42">
+                <a:extLst>
+                  <a:ext uri="{FF2B5EF4-FFF2-40B4-BE49-F238E27FC236}">
+                    <a16:creationId xmlns:a16="http://schemas.microsoft.com/office/drawing/2014/main" id="{B65DF7F9-F227-4379-BF57-B3A1943F8B49}"/>
+                  </a:ext>
+                </a:extLst>
+              </p:cNvPr>
+              <p:cNvSpPr/>
+              <p:nvPr/>
+            </p:nvSpPr>
+            <p:spPr>
+              <a:xfrm>
+                <a:off x="2009657" y="4273492"/>
+                <a:ext cx="1634306" cy="929255"/>
+              </a:xfrm>
+              <a:prstGeom prst="rect">
+                <a:avLst/>
+              </a:prstGeom>
+              <a:solidFill>
+                <a:srgbClr val="006082"/>
+              </a:solidFill>
+            </p:spPr>
+            <p:style>
+              <a:lnRef idx="2">
+                <a:schemeClr val="accent1">
+                  <a:shade val="50000"/>
+                </a:schemeClr>
+              </a:lnRef>
+              <a:fillRef idx="1">
+                <a:schemeClr val="accent1"/>
+              </a:fillRef>
+              <a:effectRef idx="0">
+                <a:schemeClr val="accent1"/>
+              </a:effectRef>
+              <a:fontRef idx="minor">
+                <a:schemeClr val="lt1"/>
+              </a:fontRef>
+            </p:style>
+            <p:txBody>
+              <a:bodyPr rtlCol="0" anchor="ctr"/>
+              <a:lstStyle/>
+              <a:p>
+                <a:pPr algn="ctr"/>
+                <a:r>
+                  <a:rPr lang="en-US" dirty="0"/>
+                  <a:t>Heart disease</a:t>
+                </a:r>
+              </a:p>
+              <a:p>
+                <a:pPr algn="ctr"/>
+                <a:r>
+                  <a:rPr lang="en-US" dirty="0"/>
+                  <a:t>Yes = 1</a:t>
+                </a:r>
+              </a:p>
+              <a:p>
+                <a:pPr algn="ctr"/>
+                <a:r>
+                  <a:rPr lang="en-US" dirty="0"/>
+                  <a:t>No = 1</a:t>
+                </a:r>
+              </a:p>
+            </p:txBody>
+          </p:sp>
+          <p:sp>
+            <p:nvSpPr>
+              <p:cNvPr id="44" name="Rectangle 43">
+                <a:extLst>
+                  <a:ext uri="{FF2B5EF4-FFF2-40B4-BE49-F238E27FC236}">
+                    <a16:creationId xmlns:a16="http://schemas.microsoft.com/office/drawing/2014/main" id="{ECBC8E42-7435-4013-BC59-51E0254728E1}"/>
+                  </a:ext>
+                </a:extLst>
+              </p:cNvPr>
+              <p:cNvSpPr/>
+              <p:nvPr/>
+            </p:nvSpPr>
+            <p:spPr>
+              <a:xfrm>
+                <a:off x="4225275" y="4273493"/>
+                <a:ext cx="1634306" cy="929255"/>
+              </a:xfrm>
+              <a:prstGeom prst="rect">
+                <a:avLst/>
+              </a:prstGeom>
+              <a:solidFill>
+                <a:srgbClr val="006082"/>
+              </a:solidFill>
+            </p:spPr>
+            <p:style>
+              <a:lnRef idx="2">
+                <a:schemeClr val="accent1">
+                  <a:shade val="50000"/>
+                </a:schemeClr>
+              </a:lnRef>
+              <a:fillRef idx="1">
+                <a:schemeClr val="accent1"/>
+              </a:fillRef>
+              <a:effectRef idx="0">
+                <a:schemeClr val="accent1"/>
+              </a:effectRef>
+              <a:fontRef idx="minor">
+                <a:schemeClr val="lt1"/>
+              </a:fontRef>
+            </p:style>
+            <p:txBody>
+              <a:bodyPr rtlCol="0" anchor="ctr"/>
+              <a:lstStyle/>
+              <a:p>
+                <a:pPr algn="ctr"/>
+                <a:r>
+                  <a:rPr lang="en-US" dirty="0"/>
+                  <a:t>Heart disease</a:t>
+                </a:r>
+              </a:p>
+              <a:p>
+                <a:pPr algn="ctr"/>
+                <a:r>
+                  <a:rPr lang="en-US" dirty="0"/>
+                  <a:t>Yes = 5</a:t>
+                </a:r>
+              </a:p>
+              <a:p>
+                <a:pPr algn="ctr"/>
+                <a:r>
+                  <a:rPr lang="en-US" dirty="0"/>
+                  <a:t>No = 0</a:t>
+                </a:r>
+              </a:p>
+            </p:txBody>
+          </p:sp>
+          <p:cxnSp>
+            <p:nvCxnSpPr>
+              <p:cNvPr id="45" name="Straight Arrow Connector 44">
+                <a:extLst>
+                  <a:ext uri="{FF2B5EF4-FFF2-40B4-BE49-F238E27FC236}">
+                    <a16:creationId xmlns:a16="http://schemas.microsoft.com/office/drawing/2014/main" id="{C5A67A41-585F-4A13-BFC6-15ECCE9A59CC}"/>
+                  </a:ext>
+                </a:extLst>
+              </p:cNvPr>
+              <p:cNvCxnSpPr>
+                <a:cxnSpLocks/>
+                <a:stCxn id="71" idx="2"/>
+                <a:endCxn id="43" idx="0"/>
+              </p:cNvCxnSpPr>
+              <p:nvPr/>
+            </p:nvCxnSpPr>
+            <p:spPr>
+              <a:xfrm flipH="1">
+                <a:off x="2826810" y="3314701"/>
+                <a:ext cx="1069618" cy="958791"/>
+              </a:xfrm>
+              <a:prstGeom prst="straightConnector1">
+                <a:avLst/>
+              </a:prstGeom>
+              <a:ln w="19050">
+                <a:solidFill>
+                  <a:srgbClr val="1C4357"/>
+                </a:solidFill>
+                <a:tailEnd type="triangle"/>
+              </a:ln>
+            </p:spPr>
+            <p:style>
+              <a:lnRef idx="1">
+                <a:schemeClr val="accent1"/>
+              </a:lnRef>
+              <a:fillRef idx="0">
+                <a:schemeClr val="accent1"/>
+              </a:fillRef>
+              <a:effectRef idx="0">
+                <a:schemeClr val="accent1"/>
+              </a:effectRef>
+              <a:fontRef idx="minor">
+                <a:schemeClr val="tx1"/>
+              </a:fontRef>
+            </p:style>
+          </p:cxnSp>
+          <p:cxnSp>
+            <p:nvCxnSpPr>
+              <p:cNvPr id="46" name="Straight Arrow Connector 45">
+                <a:extLst>
+                  <a:ext uri="{FF2B5EF4-FFF2-40B4-BE49-F238E27FC236}">
+                    <a16:creationId xmlns:a16="http://schemas.microsoft.com/office/drawing/2014/main" id="{8D80179F-4C0F-442E-BB36-7EB1C5A2D9BE}"/>
+                  </a:ext>
+                </a:extLst>
+              </p:cNvPr>
+              <p:cNvCxnSpPr>
+                <a:cxnSpLocks/>
+                <a:stCxn id="71" idx="2"/>
+                <a:endCxn id="44" idx="0"/>
+              </p:cNvCxnSpPr>
+              <p:nvPr/>
+            </p:nvCxnSpPr>
+            <p:spPr>
+              <a:xfrm>
+                <a:off x="3896428" y="3314701"/>
+                <a:ext cx="1146000" cy="958792"/>
+              </a:xfrm>
+              <a:prstGeom prst="straightConnector1">
+                <a:avLst/>
+              </a:prstGeom>
+              <a:ln w="19050">
+                <a:solidFill>
+                  <a:srgbClr val="1C4357"/>
+                </a:solidFill>
+                <a:tailEnd type="triangle"/>
+              </a:ln>
+            </p:spPr>
+            <p:style>
+              <a:lnRef idx="1">
+                <a:schemeClr val="accent1"/>
+              </a:lnRef>
+              <a:fillRef idx="0">
+                <a:schemeClr val="accent1"/>
+              </a:fillRef>
+              <a:effectRef idx="0">
+                <a:schemeClr val="accent1"/>
+              </a:effectRef>
+              <a:fontRef idx="minor">
+                <a:schemeClr val="tx1"/>
+              </a:fontRef>
+            </p:style>
+          </p:cxnSp>
+          <p:sp>
+            <p:nvSpPr>
+              <p:cNvPr id="68" name="TextBox 67">
+                <a:extLst>
+                  <a:ext uri="{FF2B5EF4-FFF2-40B4-BE49-F238E27FC236}">
+                    <a16:creationId xmlns:a16="http://schemas.microsoft.com/office/drawing/2014/main" id="{D35FEDDE-BA78-422C-881F-DC3F2D688B88}"/>
+                  </a:ext>
+                </a:extLst>
+              </p:cNvPr>
+              <p:cNvSpPr txBox="1"/>
+              <p:nvPr/>
+            </p:nvSpPr>
+            <p:spPr>
+              <a:xfrm>
+                <a:off x="2861087" y="3543300"/>
+                <a:ext cx="593321" cy="428952"/>
+              </a:xfrm>
+              <a:prstGeom prst="rect">
+                <a:avLst/>
+              </a:prstGeom>
+              <a:noFill/>
+            </p:spPr>
+            <p:txBody>
+              <a:bodyPr wrap="square" rtlCol="0">
+                <a:spAutoFit/>
+              </a:bodyPr>
+              <a:lstStyle/>
+              <a:p>
+                <a:r>
+                  <a:rPr lang="en-US" dirty="0"/>
+                  <a:t>no</a:t>
+                </a:r>
+              </a:p>
+            </p:txBody>
+          </p:sp>
+          <p:sp>
+            <p:nvSpPr>
+              <p:cNvPr id="69" name="TextBox 68">
+                <a:extLst>
+                  <a:ext uri="{FF2B5EF4-FFF2-40B4-BE49-F238E27FC236}">
+                    <a16:creationId xmlns:a16="http://schemas.microsoft.com/office/drawing/2014/main" id="{8BF079FC-8CAD-4B19-82A1-553312EA7352}"/>
+                  </a:ext>
+                </a:extLst>
+              </p:cNvPr>
+              <p:cNvSpPr txBox="1"/>
+              <p:nvPr/>
+            </p:nvSpPr>
+            <p:spPr>
+              <a:xfrm>
+                <a:off x="4482125" y="3543300"/>
+                <a:ext cx="593321" cy="428952"/>
+              </a:xfrm>
+              <a:prstGeom prst="rect">
+                <a:avLst/>
+              </a:prstGeom>
+              <a:noFill/>
+            </p:spPr>
+            <p:txBody>
+              <a:bodyPr wrap="square" rtlCol="0">
+                <a:spAutoFit/>
+              </a:bodyPr>
+              <a:lstStyle/>
+              <a:p>
+                <a:r>
+                  <a:rPr lang="en-US" dirty="0"/>
+                  <a:t>yes</a:t>
+                </a:r>
+              </a:p>
+            </p:txBody>
+          </p:sp>
+        </p:grpSp>
+        <p:grpSp>
+          <p:nvGrpSpPr>
+            <p:cNvPr id="84" name="Group 83">
+              <a:extLst>
+                <a:ext uri="{FF2B5EF4-FFF2-40B4-BE49-F238E27FC236}">
+                  <a16:creationId xmlns:a16="http://schemas.microsoft.com/office/drawing/2014/main" id="{C712F1DC-9C2B-4DDF-8273-B22D342C9A0B}"/>
+                </a:ext>
+              </a:extLst>
+            </p:cNvPr>
+            <p:cNvGrpSpPr/>
+            <p:nvPr/>
+          </p:nvGrpSpPr>
+          <p:grpSpPr>
+            <a:xfrm>
+              <a:off x="6382873" y="3495675"/>
+              <a:ext cx="3866143" cy="1894336"/>
+              <a:chOff x="6382873" y="3495675"/>
+              <a:chExt cx="3866143" cy="1894336"/>
+            </a:xfrm>
+          </p:grpSpPr>
+          <p:cxnSp>
+            <p:nvCxnSpPr>
+              <p:cNvPr id="77" name="Straight Arrow Connector 76">
+                <a:extLst>
+                  <a:ext uri="{FF2B5EF4-FFF2-40B4-BE49-F238E27FC236}">
+                    <a16:creationId xmlns:a16="http://schemas.microsoft.com/office/drawing/2014/main" id="{C7684C97-46C2-4F1B-982F-540297F3659C}"/>
+                  </a:ext>
+                </a:extLst>
+              </p:cNvPr>
+              <p:cNvCxnSpPr>
+                <a:cxnSpLocks/>
+                <a:stCxn id="74" idx="2"/>
+                <a:endCxn id="78" idx="0"/>
+              </p:cNvCxnSpPr>
+              <p:nvPr/>
+            </p:nvCxnSpPr>
+            <p:spPr>
+              <a:xfrm flipH="1">
+                <a:off x="7200026" y="3495675"/>
+                <a:ext cx="1069618" cy="965081"/>
+              </a:xfrm>
+              <a:prstGeom prst="straightConnector1">
+                <a:avLst/>
+              </a:prstGeom>
+              <a:ln w="19050">
+                <a:solidFill>
+                  <a:srgbClr val="1C4357"/>
+                </a:solidFill>
+                <a:tailEnd type="triangle"/>
+              </a:ln>
+            </p:spPr>
+            <p:style>
+              <a:lnRef idx="1">
+                <a:schemeClr val="accent1"/>
+              </a:lnRef>
+              <a:fillRef idx="0">
+                <a:schemeClr val="accent1"/>
+              </a:fillRef>
+              <a:effectRef idx="0">
+                <a:schemeClr val="accent1"/>
+              </a:effectRef>
+              <a:fontRef idx="minor">
+                <a:schemeClr val="tx1"/>
+              </a:fontRef>
+            </p:style>
+          </p:cxnSp>
+          <p:sp>
+            <p:nvSpPr>
+              <p:cNvPr id="78" name="Rectangle 77">
+                <a:extLst>
+                  <a:ext uri="{FF2B5EF4-FFF2-40B4-BE49-F238E27FC236}">
+                    <a16:creationId xmlns:a16="http://schemas.microsoft.com/office/drawing/2014/main" id="{F245594D-9983-4526-864D-177F4B9F79BE}"/>
+                  </a:ext>
+                </a:extLst>
+              </p:cNvPr>
+              <p:cNvSpPr/>
+              <p:nvPr/>
+            </p:nvSpPr>
+            <p:spPr>
+              <a:xfrm>
+                <a:off x="6382873" y="4460756"/>
+                <a:ext cx="1634306" cy="929255"/>
+              </a:xfrm>
+              <a:prstGeom prst="rect">
+                <a:avLst/>
+              </a:prstGeom>
+              <a:solidFill>
+                <a:srgbClr val="006082"/>
+              </a:solidFill>
+            </p:spPr>
+            <p:style>
+              <a:lnRef idx="2">
+                <a:schemeClr val="accent1">
+                  <a:shade val="50000"/>
+                </a:schemeClr>
+              </a:lnRef>
+              <a:fillRef idx="1">
+                <a:schemeClr val="accent1"/>
+              </a:fillRef>
+              <a:effectRef idx="0">
+                <a:schemeClr val="accent1"/>
+              </a:effectRef>
+              <a:fontRef idx="minor">
+                <a:schemeClr val="lt1"/>
+              </a:fontRef>
+            </p:style>
+            <p:txBody>
+              <a:bodyPr rtlCol="0" anchor="ctr"/>
+              <a:lstStyle/>
+              <a:p>
+                <a:pPr algn="ctr"/>
+                <a:r>
+                  <a:rPr lang="en-US" dirty="0"/>
+                  <a:t>Heart disease</a:t>
+                </a:r>
+              </a:p>
+              <a:p>
+                <a:pPr algn="ctr"/>
+                <a:r>
+                  <a:rPr lang="en-US" dirty="0"/>
+                  <a:t>Yes = 0</a:t>
+                </a:r>
+              </a:p>
+              <a:p>
+                <a:pPr algn="ctr"/>
+                <a:r>
+                  <a:rPr lang="en-US" dirty="0"/>
+                  <a:t>No = 2</a:t>
+                </a:r>
+              </a:p>
+            </p:txBody>
+          </p:sp>
+          <p:sp>
+            <p:nvSpPr>
+              <p:cNvPr id="79" name="Rectangle 78">
+                <a:extLst>
+                  <a:ext uri="{FF2B5EF4-FFF2-40B4-BE49-F238E27FC236}">
+                    <a16:creationId xmlns:a16="http://schemas.microsoft.com/office/drawing/2014/main" id="{9FA61450-83E4-4F3E-BC57-94FD0590D5C7}"/>
+                  </a:ext>
+                </a:extLst>
+              </p:cNvPr>
+              <p:cNvSpPr/>
+              <p:nvPr/>
+            </p:nvSpPr>
+            <p:spPr>
+              <a:xfrm>
+                <a:off x="8614710" y="4454465"/>
+                <a:ext cx="1634306" cy="929255"/>
+              </a:xfrm>
+              <a:prstGeom prst="rect">
+                <a:avLst/>
+              </a:prstGeom>
+              <a:solidFill>
+                <a:srgbClr val="006082"/>
+              </a:solidFill>
+            </p:spPr>
+            <p:style>
+              <a:lnRef idx="2">
+                <a:schemeClr val="accent1">
+                  <a:shade val="50000"/>
+                </a:schemeClr>
+              </a:lnRef>
+              <a:fillRef idx="1">
+                <a:schemeClr val="accent1"/>
+              </a:fillRef>
+              <a:effectRef idx="0">
+                <a:schemeClr val="accent1"/>
+              </a:effectRef>
+              <a:fontRef idx="minor">
+                <a:schemeClr val="lt1"/>
+              </a:fontRef>
+            </p:style>
+            <p:txBody>
+              <a:bodyPr rtlCol="0" anchor="ctr"/>
+              <a:lstStyle/>
+              <a:p>
+                <a:pPr algn="ctr"/>
+                <a:r>
+                  <a:rPr lang="en-US" dirty="0"/>
+                  <a:t>Heart disease</a:t>
+                </a:r>
+              </a:p>
+              <a:p>
+                <a:pPr algn="ctr"/>
+                <a:r>
+                  <a:rPr lang="en-US" dirty="0"/>
+                  <a:t>Yes = 2</a:t>
+                </a:r>
+              </a:p>
+              <a:p>
+                <a:pPr algn="ctr"/>
+                <a:r>
+                  <a:rPr lang="en-US" dirty="0"/>
+                  <a:t>No = 2</a:t>
+                </a:r>
+              </a:p>
+            </p:txBody>
+          </p:sp>
+          <p:cxnSp>
+            <p:nvCxnSpPr>
+              <p:cNvPr id="80" name="Straight Arrow Connector 79">
+                <a:extLst>
+                  <a:ext uri="{FF2B5EF4-FFF2-40B4-BE49-F238E27FC236}">
+                    <a16:creationId xmlns:a16="http://schemas.microsoft.com/office/drawing/2014/main" id="{FCC88BB8-C418-49C2-99AA-624DF5656B37}"/>
+                  </a:ext>
+                </a:extLst>
+              </p:cNvPr>
+              <p:cNvCxnSpPr>
+                <a:cxnSpLocks/>
+                <a:stCxn id="74" idx="2"/>
+                <a:endCxn id="79" idx="0"/>
+              </p:cNvCxnSpPr>
+              <p:nvPr/>
+            </p:nvCxnSpPr>
+            <p:spPr>
+              <a:xfrm>
+                <a:off x="8269644" y="3495675"/>
+                <a:ext cx="1162219" cy="958790"/>
+              </a:xfrm>
+              <a:prstGeom prst="straightConnector1">
+                <a:avLst/>
+              </a:prstGeom>
+              <a:ln w="19050">
+                <a:solidFill>
+                  <a:srgbClr val="1C4357"/>
+                </a:solidFill>
+                <a:tailEnd type="triangle"/>
+              </a:ln>
+            </p:spPr>
+            <p:style>
+              <a:lnRef idx="1">
+                <a:schemeClr val="accent1"/>
+              </a:lnRef>
+              <a:fillRef idx="0">
+                <a:schemeClr val="accent1"/>
+              </a:fillRef>
+              <a:effectRef idx="0">
+                <a:schemeClr val="accent1"/>
+              </a:effectRef>
+              <a:fontRef idx="minor">
+                <a:schemeClr val="tx1"/>
+              </a:fontRef>
+            </p:style>
+          </p:cxnSp>
+          <p:sp>
+            <p:nvSpPr>
+              <p:cNvPr id="82" name="TextBox 81">
+                <a:extLst>
+                  <a:ext uri="{FF2B5EF4-FFF2-40B4-BE49-F238E27FC236}">
+                    <a16:creationId xmlns:a16="http://schemas.microsoft.com/office/drawing/2014/main" id="{D9CF630A-3A75-4D43-8B26-E01DF9A7AAFD}"/>
+                  </a:ext>
+                </a:extLst>
+              </p:cNvPr>
+              <p:cNvSpPr txBox="1"/>
+              <p:nvPr/>
+            </p:nvSpPr>
+            <p:spPr>
+              <a:xfrm>
+                <a:off x="7288504" y="3724274"/>
+                <a:ext cx="593321" cy="428952"/>
+              </a:xfrm>
+              <a:prstGeom prst="rect">
+                <a:avLst/>
+              </a:prstGeom>
+              <a:noFill/>
+            </p:spPr>
+            <p:txBody>
+              <a:bodyPr wrap="square" rtlCol="0">
+                <a:spAutoFit/>
+              </a:bodyPr>
+              <a:lstStyle/>
+              <a:p>
+                <a:r>
+                  <a:rPr lang="en-US" dirty="0"/>
+                  <a:t>no</a:t>
+                </a:r>
+              </a:p>
+            </p:txBody>
+          </p:sp>
+          <p:sp>
+            <p:nvSpPr>
+              <p:cNvPr id="83" name="TextBox 82">
+                <a:extLst>
+                  <a:ext uri="{FF2B5EF4-FFF2-40B4-BE49-F238E27FC236}">
+                    <a16:creationId xmlns:a16="http://schemas.microsoft.com/office/drawing/2014/main" id="{D65BB141-E87E-4B34-B039-3A0AAEC2430F}"/>
+                  </a:ext>
+                </a:extLst>
+              </p:cNvPr>
+              <p:cNvSpPr txBox="1"/>
+              <p:nvPr/>
+            </p:nvSpPr>
+            <p:spPr>
+              <a:xfrm>
+                <a:off x="8870437" y="3724274"/>
+                <a:ext cx="593321" cy="428952"/>
+              </a:xfrm>
+              <a:prstGeom prst="rect">
+                <a:avLst/>
+              </a:prstGeom>
+              <a:noFill/>
+            </p:spPr>
+            <p:txBody>
+              <a:bodyPr wrap="square" rtlCol="0">
+                <a:spAutoFit/>
+              </a:bodyPr>
+              <a:lstStyle/>
+              <a:p>
+                <a:r>
+                  <a:rPr lang="en-US" dirty="0"/>
+                  <a:t>yes</a:t>
+                </a:r>
+              </a:p>
+            </p:txBody>
+          </p:sp>
+        </p:grpSp>
+      </p:grpSp>
+    </p:spTree>
+    <p:extLst>
+      <p:ext uri="{BB962C8B-B14F-4D97-AF65-F5344CB8AC3E}">
+        <p14:creationId xmlns:p14="http://schemas.microsoft.com/office/powerpoint/2010/main" val="753262346"/>
       </p:ext>
     </p:extLst>
   </p:cSld>
@@ -14873,6 +18554,1081 @@
 </p:sld>
 </file>
 
+<file path=ppt/slides/slide9.xml><?xml version="1.0" encoding="utf-8"?>
+<p:sld xmlns:a="http://schemas.openxmlformats.org/drawingml/2006/main" xmlns:r="http://schemas.openxmlformats.org/officeDocument/2006/relationships" xmlns:p="http://schemas.openxmlformats.org/presentationml/2006/main">
+  <p:cSld>
+    <p:spTree>
+      <p:nvGrpSpPr>
+        <p:cNvPr id="1" name=""/>
+        <p:cNvGrpSpPr/>
+        <p:nvPr/>
+      </p:nvGrpSpPr>
+      <p:grpSpPr>
+        <a:xfrm>
+          <a:off x="0" y="0"/>
+          <a:ext cx="0" cy="0"/>
+          <a:chOff x="0" y="0"/>
+          <a:chExt cx="0" cy="0"/>
+        </a:xfrm>
+      </p:grpSpPr>
+      <p:grpSp>
+        <p:nvGrpSpPr>
+          <p:cNvPr id="2" name="Group 1">
+            <a:extLst>
+              <a:ext uri="{FF2B5EF4-FFF2-40B4-BE49-F238E27FC236}">
+                <a16:creationId xmlns:a16="http://schemas.microsoft.com/office/drawing/2014/main" id="{C048354C-D35E-4B04-8F16-F990486E6572}"/>
+              </a:ext>
+            </a:extLst>
+          </p:cNvPr>
+          <p:cNvGrpSpPr/>
+          <p:nvPr/>
+        </p:nvGrpSpPr>
+        <p:grpSpPr>
+          <a:xfrm>
+            <a:off x="3933319" y="781051"/>
+            <a:ext cx="5723332" cy="4347093"/>
+            <a:chOff x="3933319" y="781051"/>
+            <a:chExt cx="5723332" cy="4347093"/>
+          </a:xfrm>
+        </p:grpSpPr>
+        <p:grpSp>
+          <p:nvGrpSpPr>
+            <p:cNvPr id="3" name="Group 2">
+              <a:extLst>
+                <a:ext uri="{FF2B5EF4-FFF2-40B4-BE49-F238E27FC236}">
+                  <a16:creationId xmlns:a16="http://schemas.microsoft.com/office/drawing/2014/main" id="{D6538E8D-6FA2-4DB9-BA3B-1CD012441E33}"/>
+                </a:ext>
+              </a:extLst>
+            </p:cNvPr>
+            <p:cNvGrpSpPr/>
+            <p:nvPr/>
+          </p:nvGrpSpPr>
+          <p:grpSpPr>
+            <a:xfrm>
+              <a:off x="3933319" y="781051"/>
+              <a:ext cx="5723332" cy="4347093"/>
+              <a:chOff x="3952369" y="571500"/>
+              <a:chExt cx="5723332" cy="4347093"/>
+            </a:xfrm>
+          </p:grpSpPr>
+          <p:sp>
+            <p:nvSpPr>
+              <p:cNvPr id="6" name="Rectangle 5">
+                <a:extLst>
+                  <a:ext uri="{FF2B5EF4-FFF2-40B4-BE49-F238E27FC236}">
+                    <a16:creationId xmlns:a16="http://schemas.microsoft.com/office/drawing/2014/main" id="{A3C64164-F03A-4FAB-95D8-69804DC38F33}"/>
+                  </a:ext>
+                </a:extLst>
+              </p:cNvPr>
+              <p:cNvSpPr/>
+              <p:nvPr/>
+            </p:nvSpPr>
+            <p:spPr>
+              <a:xfrm>
+                <a:off x="5076825" y="571500"/>
+                <a:ext cx="2019300" cy="704850"/>
+              </a:xfrm>
+              <a:prstGeom prst="rect">
+                <a:avLst/>
+              </a:prstGeom>
+              <a:solidFill>
+                <a:srgbClr val="7C3230"/>
+              </a:solidFill>
+              <a:ln>
+                <a:solidFill>
+                  <a:srgbClr val="7C3230"/>
+                </a:solidFill>
+              </a:ln>
+            </p:spPr>
+            <p:style>
+              <a:lnRef idx="2">
+                <a:schemeClr val="accent1">
+                  <a:shade val="50000"/>
+                </a:schemeClr>
+              </a:lnRef>
+              <a:fillRef idx="1">
+                <a:schemeClr val="accent1"/>
+              </a:fillRef>
+              <a:effectRef idx="0">
+                <a:schemeClr val="accent1"/>
+              </a:effectRef>
+              <a:fontRef idx="minor">
+                <a:schemeClr val="lt1"/>
+              </a:fontRef>
+            </p:style>
+            <p:txBody>
+              <a:bodyPr rtlCol="0" anchor="ctr"/>
+              <a:lstStyle/>
+              <a:p>
+                <a:pPr algn="ctr"/>
+                <a:r>
+                  <a:rPr lang="en-US" dirty="0"/>
+                  <a:t>Petal length</a:t>
+                </a:r>
+              </a:p>
+              <a:p>
+                <a:pPr algn="ctr"/>
+                <a:r>
+                  <a:rPr lang="en-US" sz="1600" i="1" dirty="0"/>
+                  <a:t>(Root node)</a:t>
+                </a:r>
+                <a:endParaRPr lang="en-US" i="1" dirty="0"/>
+              </a:p>
+            </p:txBody>
+          </p:sp>
+          <p:sp>
+            <p:nvSpPr>
+              <p:cNvPr id="7" name="Rectangle 6">
+                <a:extLst>
+                  <a:ext uri="{FF2B5EF4-FFF2-40B4-BE49-F238E27FC236}">
+                    <a16:creationId xmlns:a16="http://schemas.microsoft.com/office/drawing/2014/main" id="{C5FCB1C5-9013-4CF4-9FA5-241F2B0F6BE8}"/>
+                  </a:ext>
+                </a:extLst>
+              </p:cNvPr>
+              <p:cNvSpPr/>
+              <p:nvPr/>
+            </p:nvSpPr>
+            <p:spPr>
+              <a:xfrm>
+                <a:off x="7849791" y="3819527"/>
+                <a:ext cx="1252535" cy="704850"/>
+              </a:xfrm>
+              <a:prstGeom prst="rect">
+                <a:avLst/>
+              </a:prstGeom>
+              <a:solidFill>
+                <a:srgbClr val="7C3230"/>
+              </a:solidFill>
+              <a:ln>
+                <a:solidFill>
+                  <a:srgbClr val="7C3230"/>
+                </a:solidFill>
+              </a:ln>
+            </p:spPr>
+            <p:style>
+              <a:lnRef idx="2">
+                <a:schemeClr val="accent1">
+                  <a:shade val="50000"/>
+                </a:schemeClr>
+              </a:lnRef>
+              <a:fillRef idx="1">
+                <a:schemeClr val="accent1"/>
+              </a:fillRef>
+              <a:effectRef idx="0">
+                <a:schemeClr val="accent1"/>
+              </a:effectRef>
+              <a:fontRef idx="minor">
+                <a:schemeClr val="lt1"/>
+              </a:fontRef>
+            </p:style>
+            <p:txBody>
+              <a:bodyPr rtlCol="0" anchor="ctr"/>
+              <a:lstStyle/>
+              <a:p>
+                <a:pPr algn="ctr"/>
+                <a:r>
+                  <a:rPr lang="en-US" dirty="0"/>
+                  <a:t>Virginica</a:t>
+                </a:r>
+              </a:p>
+              <a:p>
+                <a:pPr algn="ctr"/>
+                <a:r>
+                  <a:rPr lang="en-US" sz="1600" i="1" dirty="0"/>
+                  <a:t>(Leaf node)</a:t>
+                </a:r>
+                <a:endParaRPr lang="en-US" i="1" dirty="0"/>
+              </a:p>
+            </p:txBody>
+          </p:sp>
+          <p:cxnSp>
+            <p:nvCxnSpPr>
+              <p:cNvPr id="8" name="Straight Arrow Connector 7">
+                <a:extLst>
+                  <a:ext uri="{FF2B5EF4-FFF2-40B4-BE49-F238E27FC236}">
+                    <a16:creationId xmlns:a16="http://schemas.microsoft.com/office/drawing/2014/main" id="{421C5C9A-9077-430F-8499-D511D041676E}"/>
+                  </a:ext>
+                </a:extLst>
+              </p:cNvPr>
+              <p:cNvCxnSpPr>
+                <a:cxnSpLocks/>
+                <a:stCxn id="6" idx="2"/>
+                <a:endCxn id="20" idx="0"/>
+              </p:cNvCxnSpPr>
+              <p:nvPr/>
+            </p:nvCxnSpPr>
+            <p:spPr>
+              <a:xfrm flipH="1">
+                <a:off x="4662575" y="1276350"/>
+                <a:ext cx="1423900" cy="923925"/>
+              </a:xfrm>
+              <a:prstGeom prst="straightConnector1">
+                <a:avLst/>
+              </a:prstGeom>
+              <a:ln w="28575">
+                <a:solidFill>
+                  <a:schemeClr val="tx1">
+                    <a:lumMod val="85000"/>
+                    <a:lumOff val="15000"/>
+                  </a:schemeClr>
+                </a:solidFill>
+                <a:tailEnd type="triangle"/>
+              </a:ln>
+            </p:spPr>
+            <p:style>
+              <a:lnRef idx="1">
+                <a:schemeClr val="accent1"/>
+              </a:lnRef>
+              <a:fillRef idx="0">
+                <a:schemeClr val="accent1"/>
+              </a:fillRef>
+              <a:effectRef idx="0">
+                <a:schemeClr val="accent1"/>
+              </a:effectRef>
+              <a:fontRef idx="minor">
+                <a:schemeClr val="tx1"/>
+              </a:fontRef>
+            </p:style>
+          </p:cxnSp>
+          <p:cxnSp>
+            <p:nvCxnSpPr>
+              <p:cNvPr id="9" name="Straight Arrow Connector 8">
+                <a:extLst>
+                  <a:ext uri="{FF2B5EF4-FFF2-40B4-BE49-F238E27FC236}">
+                    <a16:creationId xmlns:a16="http://schemas.microsoft.com/office/drawing/2014/main" id="{32B75DD4-2876-44D9-867A-4743F49F1A94}"/>
+                  </a:ext>
+                </a:extLst>
+              </p:cNvPr>
+              <p:cNvCxnSpPr>
+                <a:cxnSpLocks/>
+                <a:stCxn id="6" idx="2"/>
+                <a:endCxn id="24" idx="0"/>
+              </p:cNvCxnSpPr>
+              <p:nvPr/>
+            </p:nvCxnSpPr>
+            <p:spPr>
+              <a:xfrm>
+                <a:off x="6086475" y="1276350"/>
+                <a:ext cx="1593886" cy="923925"/>
+              </a:xfrm>
+              <a:prstGeom prst="straightConnector1">
+                <a:avLst/>
+              </a:prstGeom>
+              <a:ln w="28575">
+                <a:solidFill>
+                  <a:schemeClr val="tx1">
+                    <a:lumMod val="85000"/>
+                    <a:lumOff val="15000"/>
+                  </a:schemeClr>
+                </a:solidFill>
+                <a:tailEnd type="triangle"/>
+              </a:ln>
+            </p:spPr>
+            <p:style>
+              <a:lnRef idx="1">
+                <a:schemeClr val="accent1"/>
+              </a:lnRef>
+              <a:fillRef idx="0">
+                <a:schemeClr val="accent1"/>
+              </a:fillRef>
+              <a:effectRef idx="0">
+                <a:schemeClr val="accent1"/>
+              </a:effectRef>
+              <a:fontRef idx="minor">
+                <a:schemeClr val="tx1"/>
+              </a:fontRef>
+            </p:style>
+          </p:cxnSp>
+          <p:cxnSp>
+            <p:nvCxnSpPr>
+              <p:cNvPr id="10" name="Straight Arrow Connector 9">
+                <a:extLst>
+                  <a:ext uri="{FF2B5EF4-FFF2-40B4-BE49-F238E27FC236}">
+                    <a16:creationId xmlns:a16="http://schemas.microsoft.com/office/drawing/2014/main" id="{9DF31693-7ECB-4D63-AA3B-08322543AFAE}"/>
+                  </a:ext>
+                </a:extLst>
+              </p:cNvPr>
+              <p:cNvCxnSpPr>
+                <a:cxnSpLocks/>
+                <a:stCxn id="24" idx="2"/>
+                <a:endCxn id="22" idx="0"/>
+              </p:cNvCxnSpPr>
+              <p:nvPr/>
+            </p:nvCxnSpPr>
+            <p:spPr>
+              <a:xfrm flipH="1">
+                <a:off x="6907395" y="2905125"/>
+                <a:ext cx="772966" cy="909641"/>
+              </a:xfrm>
+              <a:prstGeom prst="straightConnector1">
+                <a:avLst/>
+              </a:prstGeom>
+              <a:ln w="28575">
+                <a:solidFill>
+                  <a:schemeClr val="tx1">
+                    <a:lumMod val="85000"/>
+                    <a:lumOff val="15000"/>
+                  </a:schemeClr>
+                </a:solidFill>
+                <a:tailEnd type="triangle"/>
+              </a:ln>
+            </p:spPr>
+            <p:style>
+              <a:lnRef idx="1">
+                <a:schemeClr val="accent1"/>
+              </a:lnRef>
+              <a:fillRef idx="0">
+                <a:schemeClr val="accent1"/>
+              </a:fillRef>
+              <a:effectRef idx="0">
+                <a:schemeClr val="accent1"/>
+              </a:effectRef>
+              <a:fontRef idx="minor">
+                <a:schemeClr val="tx1"/>
+              </a:fontRef>
+            </p:style>
+          </p:cxnSp>
+          <p:cxnSp>
+            <p:nvCxnSpPr>
+              <p:cNvPr id="11" name="Straight Arrow Connector 10">
+                <a:extLst>
+                  <a:ext uri="{FF2B5EF4-FFF2-40B4-BE49-F238E27FC236}">
+                    <a16:creationId xmlns:a16="http://schemas.microsoft.com/office/drawing/2014/main" id="{F93080E2-6B11-4EF9-B691-7A79D59F55DD}"/>
+                  </a:ext>
+                </a:extLst>
+              </p:cNvPr>
+              <p:cNvCxnSpPr>
+                <a:cxnSpLocks/>
+                <a:stCxn id="24" idx="2"/>
+                <a:endCxn id="7" idx="0"/>
+              </p:cNvCxnSpPr>
+              <p:nvPr/>
+            </p:nvCxnSpPr>
+            <p:spPr>
+              <a:xfrm>
+                <a:off x="7680361" y="2905125"/>
+                <a:ext cx="795698" cy="914402"/>
+              </a:xfrm>
+              <a:prstGeom prst="straightConnector1">
+                <a:avLst/>
+              </a:prstGeom>
+              <a:ln w="28575">
+                <a:solidFill>
+                  <a:schemeClr val="tx1">
+                    <a:lumMod val="85000"/>
+                    <a:lumOff val="15000"/>
+                  </a:schemeClr>
+                </a:solidFill>
+                <a:tailEnd type="triangle"/>
+              </a:ln>
+            </p:spPr>
+            <p:style>
+              <a:lnRef idx="1">
+                <a:schemeClr val="accent1"/>
+              </a:lnRef>
+              <a:fillRef idx="0">
+                <a:schemeClr val="accent1"/>
+              </a:fillRef>
+              <a:effectRef idx="0">
+                <a:schemeClr val="accent1"/>
+              </a:effectRef>
+              <a:fontRef idx="minor">
+                <a:schemeClr val="tx1"/>
+              </a:fontRef>
+            </p:style>
+          </p:cxnSp>
+          <p:grpSp>
+            <p:nvGrpSpPr>
+              <p:cNvPr id="12" name="Group 11">
+                <a:extLst>
+                  <a:ext uri="{FF2B5EF4-FFF2-40B4-BE49-F238E27FC236}">
+                    <a16:creationId xmlns:a16="http://schemas.microsoft.com/office/drawing/2014/main" id="{BF080B8D-5457-4010-83AA-96300DB15E28}"/>
+                  </a:ext>
+                </a:extLst>
+              </p:cNvPr>
+              <p:cNvGrpSpPr/>
+              <p:nvPr/>
+            </p:nvGrpSpPr>
+            <p:grpSpPr>
+              <a:xfrm>
+                <a:off x="6846924" y="1495425"/>
+                <a:ext cx="1666873" cy="1409700"/>
+                <a:chOff x="6522246" y="1495425"/>
+                <a:chExt cx="1666873" cy="1409700"/>
+              </a:xfrm>
+            </p:grpSpPr>
+            <p:sp>
+              <p:nvSpPr>
+                <p:cNvPr id="24" name="Rectangle 23">
+                  <a:extLst>
+                    <a:ext uri="{FF2B5EF4-FFF2-40B4-BE49-F238E27FC236}">
+                      <a16:creationId xmlns:a16="http://schemas.microsoft.com/office/drawing/2014/main" id="{C89E58DE-6189-4388-915A-6F9E46DA0215}"/>
+                    </a:ext>
+                  </a:extLst>
+                </p:cNvPr>
+                <p:cNvSpPr/>
+                <p:nvPr/>
+              </p:nvSpPr>
+              <p:spPr>
+                <a:xfrm>
+                  <a:off x="6522246" y="2200275"/>
+                  <a:ext cx="1666873" cy="704850"/>
+                </a:xfrm>
+                <a:prstGeom prst="rect">
+                  <a:avLst/>
+                </a:prstGeom>
+                <a:solidFill>
+                  <a:srgbClr val="7C3230"/>
+                </a:solidFill>
+                <a:ln>
+                  <a:solidFill>
+                    <a:srgbClr val="7C3230"/>
+                  </a:solidFill>
+                </a:ln>
+              </p:spPr>
+              <p:style>
+                <a:lnRef idx="2">
+                  <a:schemeClr val="accent1">
+                    <a:shade val="50000"/>
+                  </a:schemeClr>
+                </a:lnRef>
+                <a:fillRef idx="1">
+                  <a:schemeClr val="accent1"/>
+                </a:fillRef>
+                <a:effectRef idx="0">
+                  <a:schemeClr val="accent1"/>
+                </a:effectRef>
+                <a:fontRef idx="minor">
+                  <a:schemeClr val="lt1"/>
+                </a:fontRef>
+              </p:style>
+              <p:txBody>
+                <a:bodyPr rtlCol="0" anchor="ctr"/>
+                <a:lstStyle/>
+                <a:p>
+                  <a:pPr algn="ctr"/>
+                  <a:r>
+                    <a:rPr lang="en-US" dirty="0"/>
+                    <a:t>Petal width</a:t>
+                  </a:r>
+                </a:p>
+                <a:p>
+                  <a:pPr algn="ctr"/>
+                  <a:r>
+                    <a:rPr lang="en-US" sz="1600" i="1" dirty="0"/>
+                    <a:t>(Non-leaf node)</a:t>
+                  </a:r>
+                  <a:endParaRPr lang="en-US" i="1" dirty="0"/>
+                </a:p>
+              </p:txBody>
+            </p:sp>
+            <p:sp>
+              <p:nvSpPr>
+                <p:cNvPr id="25" name="TextBox 24">
+                  <a:extLst>
+                    <a:ext uri="{FF2B5EF4-FFF2-40B4-BE49-F238E27FC236}">
+                      <a16:creationId xmlns:a16="http://schemas.microsoft.com/office/drawing/2014/main" id="{BD195951-F40C-43FB-97F2-F8458D79B308}"/>
+                    </a:ext>
+                  </a:extLst>
+                </p:cNvPr>
+                <p:cNvSpPr txBox="1"/>
+                <p:nvPr/>
+              </p:nvSpPr>
+              <p:spPr>
+                <a:xfrm>
+                  <a:off x="6809185" y="1495425"/>
+                  <a:ext cx="1092994" cy="369332"/>
+                </a:xfrm>
+                <a:prstGeom prst="rect">
+                  <a:avLst/>
+                </a:prstGeom>
+                <a:noFill/>
+              </p:spPr>
+              <p:txBody>
+                <a:bodyPr wrap="square" rtlCol="0">
+                  <a:spAutoFit/>
+                </a:bodyPr>
+                <a:lstStyle/>
+                <a:p>
+                  <a:r>
+                    <a:rPr lang="en-US" dirty="0"/>
+                    <a:t>&gt;=1 cm</a:t>
+                  </a:r>
+                </a:p>
+              </p:txBody>
+            </p:sp>
+          </p:grpSp>
+          <p:sp>
+            <p:nvSpPr>
+              <p:cNvPr id="13" name="TextBox 12">
+                <a:extLst>
+                  <a:ext uri="{FF2B5EF4-FFF2-40B4-BE49-F238E27FC236}">
+                    <a16:creationId xmlns:a16="http://schemas.microsoft.com/office/drawing/2014/main" id="{1FD12F19-C79C-4AAC-AFC4-6C06D466526E}"/>
+                  </a:ext>
+                </a:extLst>
+              </p:cNvPr>
+              <p:cNvSpPr txBox="1"/>
+              <p:nvPr/>
+            </p:nvSpPr>
+            <p:spPr>
+              <a:xfrm>
+                <a:off x="8193969" y="3114677"/>
+                <a:ext cx="1481732" cy="369332"/>
+              </a:xfrm>
+              <a:prstGeom prst="rect">
+                <a:avLst/>
+              </a:prstGeom>
+              <a:noFill/>
+            </p:spPr>
+            <p:txBody>
+              <a:bodyPr wrap="square" rtlCol="0">
+                <a:spAutoFit/>
+              </a:bodyPr>
+              <a:lstStyle/>
+              <a:p>
+                <a:r>
+                  <a:rPr lang="en-US" dirty="0"/>
+                  <a:t>&gt;=1.75 cm</a:t>
+                </a:r>
+              </a:p>
+            </p:txBody>
+          </p:sp>
+          <p:grpSp>
+            <p:nvGrpSpPr>
+              <p:cNvPr id="14" name="Group 13">
+                <a:extLst>
+                  <a:ext uri="{FF2B5EF4-FFF2-40B4-BE49-F238E27FC236}">
+                    <a16:creationId xmlns:a16="http://schemas.microsoft.com/office/drawing/2014/main" id="{8C3945C5-6ADF-4CBF-A6FE-1CF9C3B08D69}"/>
+                  </a:ext>
+                </a:extLst>
+              </p:cNvPr>
+              <p:cNvGrpSpPr/>
+              <p:nvPr/>
+            </p:nvGrpSpPr>
+            <p:grpSpPr>
+              <a:xfrm>
+                <a:off x="6233173" y="3114677"/>
+                <a:ext cx="1300489" cy="1404939"/>
+                <a:chOff x="6086975" y="3119438"/>
+                <a:chExt cx="1300489" cy="1404939"/>
+              </a:xfrm>
+            </p:grpSpPr>
+            <p:sp>
+              <p:nvSpPr>
+                <p:cNvPr id="22" name="Rectangle 21">
+                  <a:extLst>
+                    <a:ext uri="{FF2B5EF4-FFF2-40B4-BE49-F238E27FC236}">
+                      <a16:creationId xmlns:a16="http://schemas.microsoft.com/office/drawing/2014/main" id="{6563B12E-F32D-470E-8C0B-D1EC7F514E09}"/>
+                    </a:ext>
+                  </a:extLst>
+                </p:cNvPr>
+                <p:cNvSpPr/>
+                <p:nvPr/>
+              </p:nvSpPr>
+              <p:spPr>
+                <a:xfrm>
+                  <a:off x="6134929" y="3819527"/>
+                  <a:ext cx="1252535" cy="704850"/>
+                </a:xfrm>
+                <a:prstGeom prst="rect">
+                  <a:avLst/>
+                </a:prstGeom>
+                <a:solidFill>
+                  <a:srgbClr val="7C3230"/>
+                </a:solidFill>
+                <a:ln>
+                  <a:solidFill>
+                    <a:srgbClr val="7C3230"/>
+                  </a:solidFill>
+                </a:ln>
+              </p:spPr>
+              <p:style>
+                <a:lnRef idx="2">
+                  <a:schemeClr val="accent1">
+                    <a:shade val="50000"/>
+                  </a:schemeClr>
+                </a:lnRef>
+                <a:fillRef idx="1">
+                  <a:schemeClr val="accent1"/>
+                </a:fillRef>
+                <a:effectRef idx="0">
+                  <a:schemeClr val="accent1"/>
+                </a:effectRef>
+                <a:fontRef idx="minor">
+                  <a:schemeClr val="lt1"/>
+                </a:fontRef>
+              </p:style>
+              <p:txBody>
+                <a:bodyPr rtlCol="0" anchor="ctr"/>
+                <a:lstStyle/>
+                <a:p>
+                  <a:pPr algn="ctr"/>
+                  <a:r>
+                    <a:rPr lang="en-US" dirty="0"/>
+                    <a:t>Versicolor</a:t>
+                  </a:r>
+                </a:p>
+                <a:p>
+                  <a:pPr algn="ctr"/>
+                  <a:r>
+                    <a:rPr lang="en-US" sz="1600" i="1" dirty="0"/>
+                    <a:t>(Leaf node)</a:t>
+                  </a:r>
+                  <a:endParaRPr lang="en-US" i="1" dirty="0"/>
+                </a:p>
+              </p:txBody>
+            </p:sp>
+            <p:sp>
+              <p:nvSpPr>
+                <p:cNvPr id="23" name="TextBox 22">
+                  <a:extLst>
+                    <a:ext uri="{FF2B5EF4-FFF2-40B4-BE49-F238E27FC236}">
+                      <a16:creationId xmlns:a16="http://schemas.microsoft.com/office/drawing/2014/main" id="{8929BCD3-2D87-45B9-BBFE-03ECD5663639}"/>
+                    </a:ext>
+                  </a:extLst>
+                </p:cNvPr>
+                <p:cNvSpPr txBox="1"/>
+                <p:nvPr/>
+              </p:nvSpPr>
+              <p:spPr>
+                <a:xfrm>
+                  <a:off x="6086975" y="3119438"/>
+                  <a:ext cx="1092994" cy="369332"/>
+                </a:xfrm>
+                <a:prstGeom prst="rect">
+                  <a:avLst/>
+                </a:prstGeom>
+                <a:noFill/>
+              </p:spPr>
+              <p:txBody>
+                <a:bodyPr wrap="square" rtlCol="0">
+                  <a:spAutoFit/>
+                </a:bodyPr>
+                <a:lstStyle/>
+                <a:p>
+                  <a:r>
+                    <a:rPr lang="en-US" dirty="0"/>
+                    <a:t>&lt;1.75 cm</a:t>
+                  </a:r>
+                </a:p>
+              </p:txBody>
+            </p:sp>
+          </p:grpSp>
+          <p:grpSp>
+            <p:nvGrpSpPr>
+              <p:cNvPr id="15" name="Group 14">
+                <a:extLst>
+                  <a:ext uri="{FF2B5EF4-FFF2-40B4-BE49-F238E27FC236}">
+                    <a16:creationId xmlns:a16="http://schemas.microsoft.com/office/drawing/2014/main" id="{6D80732B-7DA1-4E9E-9363-01304371057F}"/>
+                  </a:ext>
+                </a:extLst>
+              </p:cNvPr>
+              <p:cNvGrpSpPr/>
+              <p:nvPr/>
+            </p:nvGrpSpPr>
+            <p:grpSpPr>
+              <a:xfrm>
+                <a:off x="3952369" y="1500187"/>
+                <a:ext cx="1522802" cy="1404938"/>
+                <a:chOff x="4202318" y="1495425"/>
+                <a:chExt cx="1522802" cy="1404938"/>
+              </a:xfrm>
+            </p:grpSpPr>
+            <p:sp>
+              <p:nvSpPr>
+                <p:cNvPr id="20" name="Rectangle 19">
+                  <a:extLst>
+                    <a:ext uri="{FF2B5EF4-FFF2-40B4-BE49-F238E27FC236}">
+                      <a16:creationId xmlns:a16="http://schemas.microsoft.com/office/drawing/2014/main" id="{032AF8F5-3E94-4702-9A65-C382BD22F3AB}"/>
+                    </a:ext>
+                  </a:extLst>
+                </p:cNvPr>
+                <p:cNvSpPr/>
+                <p:nvPr/>
+              </p:nvSpPr>
+              <p:spPr>
+                <a:xfrm>
+                  <a:off x="4202318" y="2195513"/>
+                  <a:ext cx="1420412" cy="704850"/>
+                </a:xfrm>
+                <a:prstGeom prst="rect">
+                  <a:avLst/>
+                </a:prstGeom>
+                <a:solidFill>
+                  <a:srgbClr val="7C3230"/>
+                </a:solidFill>
+                <a:ln>
+                  <a:solidFill>
+                    <a:srgbClr val="7C3230"/>
+                  </a:solidFill>
+                </a:ln>
+              </p:spPr>
+              <p:style>
+                <a:lnRef idx="2">
+                  <a:schemeClr val="accent1">
+                    <a:shade val="50000"/>
+                  </a:schemeClr>
+                </a:lnRef>
+                <a:fillRef idx="1">
+                  <a:schemeClr val="accent1"/>
+                </a:fillRef>
+                <a:effectRef idx="0">
+                  <a:schemeClr val="accent1"/>
+                </a:effectRef>
+                <a:fontRef idx="minor">
+                  <a:schemeClr val="lt1"/>
+                </a:fontRef>
+              </p:style>
+              <p:txBody>
+                <a:bodyPr rtlCol="0" anchor="ctr"/>
+                <a:lstStyle/>
+                <a:p>
+                  <a:pPr algn="ctr"/>
+                  <a:r>
+                    <a:rPr lang="en-US" dirty="0"/>
+                    <a:t>Sentosa</a:t>
+                  </a:r>
+                </a:p>
+                <a:p>
+                  <a:pPr algn="ctr"/>
+                  <a:r>
+                    <a:rPr lang="en-US" sz="1600" i="1" dirty="0"/>
+                    <a:t>(Leaf node)</a:t>
+                  </a:r>
+                  <a:endParaRPr lang="en-US" i="1" dirty="0"/>
+                </a:p>
+              </p:txBody>
+            </p:sp>
+            <p:sp>
+              <p:nvSpPr>
+                <p:cNvPr id="21" name="TextBox 20">
+                  <a:extLst>
+                    <a:ext uri="{FF2B5EF4-FFF2-40B4-BE49-F238E27FC236}">
+                      <a16:creationId xmlns:a16="http://schemas.microsoft.com/office/drawing/2014/main" id="{391A384F-D6FD-4CB6-9343-E3F8DEB3D1DB}"/>
+                    </a:ext>
+                  </a:extLst>
+                </p:cNvPr>
+                <p:cNvSpPr txBox="1"/>
+                <p:nvPr/>
+              </p:nvSpPr>
+              <p:spPr>
+                <a:xfrm>
+                  <a:off x="4632126" y="1495425"/>
+                  <a:ext cx="1092994" cy="369332"/>
+                </a:xfrm>
+                <a:prstGeom prst="rect">
+                  <a:avLst/>
+                </a:prstGeom>
+                <a:noFill/>
+              </p:spPr>
+              <p:txBody>
+                <a:bodyPr wrap="square" rtlCol="0">
+                  <a:spAutoFit/>
+                </a:bodyPr>
+                <a:lstStyle/>
+                <a:p>
+                  <a:r>
+                    <a:rPr lang="en-US" dirty="0"/>
+                    <a:t>&lt;1 cm</a:t>
+                  </a:r>
+                </a:p>
+              </p:txBody>
+            </p:sp>
+          </p:grpSp>
+          <p:cxnSp>
+            <p:nvCxnSpPr>
+              <p:cNvPr id="16" name="Straight Connector 15">
+                <a:extLst>
+                  <a:ext uri="{FF2B5EF4-FFF2-40B4-BE49-F238E27FC236}">
+                    <a16:creationId xmlns:a16="http://schemas.microsoft.com/office/drawing/2014/main" id="{E58B8DB4-525D-43EF-B791-6D4C670F850F}"/>
+                  </a:ext>
+                </a:extLst>
+              </p:cNvPr>
+              <p:cNvCxnSpPr>
+                <a:cxnSpLocks/>
+              </p:cNvCxnSpPr>
+              <p:nvPr/>
+            </p:nvCxnSpPr>
+            <p:spPr>
+              <a:xfrm>
+                <a:off x="5831304" y="1970899"/>
+                <a:ext cx="3747571" cy="13994"/>
+              </a:xfrm>
+              <a:prstGeom prst="line">
+                <a:avLst/>
+              </a:prstGeom>
+              <a:ln w="15875" cap="rnd" cmpd="sng" algn="ctr">
+                <a:solidFill>
+                  <a:schemeClr val="dk1"/>
+                </a:solidFill>
+                <a:prstDash val="dash"/>
+                <a:round/>
+                <a:headEnd type="none" w="med" len="med"/>
+                <a:tailEnd type="none" w="med" len="med"/>
+              </a:ln>
+              <a:effectLst>
+                <a:softEdge rad="0"/>
+              </a:effectLst>
+            </p:spPr>
+            <p:style>
+              <a:lnRef idx="0">
+                <a:scrgbClr r="0" g="0" b="0"/>
+              </a:lnRef>
+              <a:fillRef idx="0">
+                <a:scrgbClr r="0" g="0" b="0"/>
+              </a:fillRef>
+              <a:effectRef idx="0">
+                <a:scrgbClr r="0" g="0" b="0"/>
+              </a:effectRef>
+              <a:fontRef idx="minor">
+                <a:schemeClr val="tx1"/>
+              </a:fontRef>
+            </p:style>
+          </p:cxnSp>
+          <p:cxnSp>
+            <p:nvCxnSpPr>
+              <p:cNvPr id="17" name="Straight Connector 16">
+                <a:extLst>
+                  <a:ext uri="{FF2B5EF4-FFF2-40B4-BE49-F238E27FC236}">
+                    <a16:creationId xmlns:a16="http://schemas.microsoft.com/office/drawing/2014/main" id="{2A90DB8B-0C5B-41C1-83E6-28E08C98A873}"/>
+                  </a:ext>
+                </a:extLst>
+              </p:cNvPr>
+              <p:cNvCxnSpPr>
+                <a:cxnSpLocks/>
+              </p:cNvCxnSpPr>
+              <p:nvPr/>
+            </p:nvCxnSpPr>
+            <p:spPr>
+              <a:xfrm flipV="1">
+                <a:off x="9578875" y="1984893"/>
+                <a:ext cx="0" cy="2933700"/>
+              </a:xfrm>
+              <a:prstGeom prst="line">
+                <a:avLst/>
+              </a:prstGeom>
+              <a:ln w="15875" cap="rnd" cmpd="sng" algn="ctr">
+                <a:solidFill>
+                  <a:schemeClr val="dk1"/>
+                </a:solidFill>
+                <a:prstDash val="dash"/>
+                <a:round/>
+                <a:headEnd type="none" w="med" len="med"/>
+                <a:tailEnd type="none" w="med" len="med"/>
+              </a:ln>
+              <a:effectLst>
+                <a:softEdge rad="0"/>
+              </a:effectLst>
+            </p:spPr>
+            <p:style>
+              <a:lnRef idx="0">
+                <a:scrgbClr r="0" g="0" b="0"/>
+              </a:lnRef>
+              <a:fillRef idx="0">
+                <a:scrgbClr r="0" g="0" b="0"/>
+              </a:fillRef>
+              <a:effectRef idx="0">
+                <a:scrgbClr r="0" g="0" b="0"/>
+              </a:effectRef>
+              <a:fontRef idx="minor">
+                <a:schemeClr val="tx1"/>
+              </a:fontRef>
+            </p:style>
+          </p:cxnSp>
+          <p:cxnSp>
+            <p:nvCxnSpPr>
+              <p:cNvPr id="18" name="Straight Connector 17">
+                <a:extLst>
+                  <a:ext uri="{FF2B5EF4-FFF2-40B4-BE49-F238E27FC236}">
+                    <a16:creationId xmlns:a16="http://schemas.microsoft.com/office/drawing/2014/main" id="{A915ED1C-CD23-4375-9C4B-42CBF69851CB}"/>
+                  </a:ext>
+                </a:extLst>
+              </p:cNvPr>
+              <p:cNvCxnSpPr>
+                <a:cxnSpLocks/>
+              </p:cNvCxnSpPr>
+              <p:nvPr/>
+            </p:nvCxnSpPr>
+            <p:spPr>
+              <a:xfrm flipH="1" flipV="1">
+                <a:off x="5831304" y="4904599"/>
+                <a:ext cx="3747571" cy="13994"/>
+              </a:xfrm>
+              <a:prstGeom prst="line">
+                <a:avLst/>
+              </a:prstGeom>
+              <a:ln w="15875" cap="rnd" cmpd="sng" algn="ctr">
+                <a:solidFill>
+                  <a:schemeClr val="dk1"/>
+                </a:solidFill>
+                <a:prstDash val="dash"/>
+                <a:round/>
+                <a:headEnd type="none" w="med" len="med"/>
+                <a:tailEnd type="none" w="med" len="med"/>
+              </a:ln>
+              <a:effectLst>
+                <a:softEdge rad="0"/>
+              </a:effectLst>
+            </p:spPr>
+            <p:style>
+              <a:lnRef idx="0">
+                <a:scrgbClr r="0" g="0" b="0"/>
+              </a:lnRef>
+              <a:fillRef idx="0">
+                <a:scrgbClr r="0" g="0" b="0"/>
+              </a:fillRef>
+              <a:effectRef idx="0">
+                <a:scrgbClr r="0" g="0" b="0"/>
+              </a:effectRef>
+              <a:fontRef idx="minor">
+                <a:schemeClr val="tx1"/>
+              </a:fontRef>
+            </p:style>
+          </p:cxnSp>
+          <p:cxnSp>
+            <p:nvCxnSpPr>
+              <p:cNvPr id="19" name="Straight Connector 18">
+                <a:extLst>
+                  <a:ext uri="{FF2B5EF4-FFF2-40B4-BE49-F238E27FC236}">
+                    <a16:creationId xmlns:a16="http://schemas.microsoft.com/office/drawing/2014/main" id="{FECABA2D-D20A-454D-ACDC-448DA4C846EC}"/>
+                  </a:ext>
+                </a:extLst>
+              </p:cNvPr>
+              <p:cNvCxnSpPr>
+                <a:cxnSpLocks/>
+              </p:cNvCxnSpPr>
+              <p:nvPr/>
+            </p:nvCxnSpPr>
+            <p:spPr>
+              <a:xfrm flipH="1">
+                <a:off x="5817332" y="1962150"/>
+                <a:ext cx="13972" cy="2933700"/>
+              </a:xfrm>
+              <a:prstGeom prst="line">
+                <a:avLst/>
+              </a:prstGeom>
+              <a:ln w="15875" cap="rnd" cmpd="sng" algn="ctr">
+                <a:solidFill>
+                  <a:schemeClr val="dk1"/>
+                </a:solidFill>
+                <a:prstDash val="dash"/>
+                <a:round/>
+                <a:headEnd type="none" w="med" len="med"/>
+                <a:tailEnd type="none" w="med" len="med"/>
+              </a:ln>
+              <a:effectLst>
+                <a:softEdge rad="0"/>
+              </a:effectLst>
+            </p:spPr>
+            <p:style>
+              <a:lnRef idx="0">
+                <a:scrgbClr r="0" g="0" b="0"/>
+              </a:lnRef>
+              <a:fillRef idx="0">
+                <a:scrgbClr r="0" g="0" b="0"/>
+              </a:fillRef>
+              <a:effectRef idx="0">
+                <a:scrgbClr r="0" g="0" b="0"/>
+              </a:effectRef>
+              <a:fontRef idx="minor">
+                <a:schemeClr val="tx1"/>
+              </a:fontRef>
+            </p:style>
+          </p:cxnSp>
+        </p:grpSp>
+        <p:cxnSp>
+          <p:nvCxnSpPr>
+            <p:cNvPr id="4" name="Straight Arrow Connector 3">
+              <a:extLst>
+                <a:ext uri="{FF2B5EF4-FFF2-40B4-BE49-F238E27FC236}">
+                  <a16:creationId xmlns:a16="http://schemas.microsoft.com/office/drawing/2014/main" id="{4516CB48-3D58-4398-86D2-6962EB2CC95C}"/>
+                </a:ext>
+              </a:extLst>
+            </p:cNvPr>
+            <p:cNvCxnSpPr>
+              <a:cxnSpLocks/>
+            </p:cNvCxnSpPr>
+            <p:nvPr/>
+          </p:nvCxnSpPr>
+          <p:spPr>
+            <a:xfrm>
+              <a:off x="4951863" y="4338320"/>
+              <a:ext cx="846420" cy="0"/>
+            </a:xfrm>
+            <a:prstGeom prst="straightConnector1">
+              <a:avLst/>
+            </a:prstGeom>
+            <a:ln w="19050">
+              <a:solidFill>
+                <a:srgbClr val="C00000"/>
+              </a:solidFill>
+              <a:tailEnd type="triangle"/>
+            </a:ln>
+          </p:spPr>
+          <p:style>
+            <a:lnRef idx="1">
+              <a:schemeClr val="accent1"/>
+            </a:lnRef>
+            <a:fillRef idx="0">
+              <a:schemeClr val="accent1"/>
+            </a:fillRef>
+            <a:effectRef idx="0">
+              <a:schemeClr val="accent1"/>
+            </a:effectRef>
+            <a:fontRef idx="minor">
+              <a:schemeClr val="tx1"/>
+            </a:fontRef>
+          </p:style>
+        </p:cxnSp>
+        <p:sp>
+          <p:nvSpPr>
+            <p:cNvPr id="5" name="TextBox 4">
+              <a:extLst>
+                <a:ext uri="{FF2B5EF4-FFF2-40B4-BE49-F238E27FC236}">
+                  <a16:creationId xmlns:a16="http://schemas.microsoft.com/office/drawing/2014/main" id="{32B28E0C-4994-481D-ABC5-014A47E55BC8}"/>
+                </a:ext>
+              </a:extLst>
+            </p:cNvPr>
+            <p:cNvSpPr txBox="1"/>
+            <p:nvPr/>
+          </p:nvSpPr>
+          <p:spPr>
+            <a:xfrm>
+              <a:off x="4099948" y="4153654"/>
+              <a:ext cx="900091" cy="369332"/>
+            </a:xfrm>
+            <a:prstGeom prst="rect">
+              <a:avLst/>
+            </a:prstGeom>
+            <a:noFill/>
+          </p:spPr>
+          <p:txBody>
+            <a:bodyPr wrap="square" rtlCol="0">
+              <a:spAutoFit/>
+            </a:bodyPr>
+            <a:lstStyle/>
+            <a:p>
+              <a:r>
+                <a:rPr lang="en-US" dirty="0"/>
+                <a:t>Branch</a:t>
+              </a:r>
+            </a:p>
+          </p:txBody>
+        </p:sp>
+      </p:grpSp>
+    </p:spTree>
+    <p:extLst>
+      <p:ext uri="{BB962C8B-B14F-4D97-AF65-F5344CB8AC3E}">
+        <p14:creationId xmlns:p14="http://schemas.microsoft.com/office/powerpoint/2010/main" val="1469021477"/>
+      </p:ext>
+    </p:extLst>
+  </p:cSld>
+  <p:clrMapOvr>
+    <a:masterClrMapping/>
+  </p:clrMapOvr>
+</p:sld>
+</file>
+
 <file path=ppt/theme/theme1.xml><?xml version="1.0" encoding="utf-8"?>
 <a:theme xmlns:a="http://schemas.openxmlformats.org/drawingml/2006/main" name="Office Theme">
   <a:themeElements>
